--- a/Présentation1.pptx
+++ b/Présentation1.pptx
@@ -6,8 +6,9 @@
   </p:sldMasterIdLst>
   <p:sldIdLst>
     <p:sldId id="256" r:id="rId2"/>
-    <p:sldId id="257" r:id="rId3"/>
-    <p:sldId id="258" r:id="rId4"/>
+    <p:sldId id="260" r:id="rId3"/>
+    <p:sldId id="257" r:id="rId4"/>
+    <p:sldId id="258" r:id="rId5"/>
   </p:sldIdLst>
   <p:sldSz cx="9144000" cy="6858000" type="screen4x3"/>
   <p:notesSz cx="6858000" cy="9144000"/>
@@ -290,7 +291,7 @@
           <a:p>
             <a:fld id="{07F10079-C70D-45EB-BBD6-D484B33FAF3C}" type="datetimeFigureOut">
               <a:rPr lang="fr-FR" smtClean="0"/>
-              <a:t>03/06/2015</a:t>
+              <a:t>09/06/2015</a:t>
             </a:fld>
             <a:endParaRPr lang="fr-FR"/>
           </a:p>
@@ -460,7 +461,7 @@
           <a:p>
             <a:fld id="{07F10079-C70D-45EB-BBD6-D484B33FAF3C}" type="datetimeFigureOut">
               <a:rPr lang="fr-FR" smtClean="0"/>
-              <a:t>03/06/2015</a:t>
+              <a:t>09/06/2015</a:t>
             </a:fld>
             <a:endParaRPr lang="fr-FR"/>
           </a:p>
@@ -640,7 +641,7 @@
           <a:p>
             <a:fld id="{07F10079-C70D-45EB-BBD6-D484B33FAF3C}" type="datetimeFigureOut">
               <a:rPr lang="fr-FR" smtClean="0"/>
-              <a:t>03/06/2015</a:t>
+              <a:t>09/06/2015</a:t>
             </a:fld>
             <a:endParaRPr lang="fr-FR"/>
           </a:p>
@@ -810,7 +811,7 @@
           <a:p>
             <a:fld id="{07F10079-C70D-45EB-BBD6-D484B33FAF3C}" type="datetimeFigureOut">
               <a:rPr lang="fr-FR" smtClean="0"/>
-              <a:t>03/06/2015</a:t>
+              <a:t>09/06/2015</a:t>
             </a:fld>
             <a:endParaRPr lang="fr-FR"/>
           </a:p>
@@ -1056,7 +1057,7 @@
           <a:p>
             <a:fld id="{07F10079-C70D-45EB-BBD6-D484B33FAF3C}" type="datetimeFigureOut">
               <a:rPr lang="fr-FR" smtClean="0"/>
-              <a:t>03/06/2015</a:t>
+              <a:t>09/06/2015</a:t>
             </a:fld>
             <a:endParaRPr lang="fr-FR"/>
           </a:p>
@@ -1344,7 +1345,7 @@
           <a:p>
             <a:fld id="{07F10079-C70D-45EB-BBD6-D484B33FAF3C}" type="datetimeFigureOut">
               <a:rPr lang="fr-FR" smtClean="0"/>
-              <a:t>03/06/2015</a:t>
+              <a:t>09/06/2015</a:t>
             </a:fld>
             <a:endParaRPr lang="fr-FR"/>
           </a:p>
@@ -1766,7 +1767,7 @@
           <a:p>
             <a:fld id="{07F10079-C70D-45EB-BBD6-D484B33FAF3C}" type="datetimeFigureOut">
               <a:rPr lang="fr-FR" smtClean="0"/>
-              <a:t>03/06/2015</a:t>
+              <a:t>09/06/2015</a:t>
             </a:fld>
             <a:endParaRPr lang="fr-FR"/>
           </a:p>
@@ -1884,7 +1885,7 @@
           <a:p>
             <a:fld id="{07F10079-C70D-45EB-BBD6-D484B33FAF3C}" type="datetimeFigureOut">
               <a:rPr lang="fr-FR" smtClean="0"/>
-              <a:t>03/06/2015</a:t>
+              <a:t>09/06/2015</a:t>
             </a:fld>
             <a:endParaRPr lang="fr-FR"/>
           </a:p>
@@ -1979,7 +1980,7 @@
           <a:p>
             <a:fld id="{07F10079-C70D-45EB-BBD6-D484B33FAF3C}" type="datetimeFigureOut">
               <a:rPr lang="fr-FR" smtClean="0"/>
-              <a:t>03/06/2015</a:t>
+              <a:t>09/06/2015</a:t>
             </a:fld>
             <a:endParaRPr lang="fr-FR"/>
           </a:p>
@@ -2256,7 +2257,7 @@
           <a:p>
             <a:fld id="{07F10079-C70D-45EB-BBD6-D484B33FAF3C}" type="datetimeFigureOut">
               <a:rPr lang="fr-FR" smtClean="0"/>
-              <a:t>03/06/2015</a:t>
+              <a:t>09/06/2015</a:t>
             </a:fld>
             <a:endParaRPr lang="fr-FR"/>
           </a:p>
@@ -2509,7 +2510,7 @@
           <a:p>
             <a:fld id="{07F10079-C70D-45EB-BBD6-D484B33FAF3C}" type="datetimeFigureOut">
               <a:rPr lang="fr-FR" smtClean="0"/>
-              <a:t>03/06/2015</a:t>
+              <a:t>09/06/2015</a:t>
             </a:fld>
             <a:endParaRPr lang="fr-FR"/>
           </a:p>
@@ -2722,7 +2723,7 @@
           <a:p>
             <a:fld id="{07F10079-C70D-45EB-BBD6-D484B33FAF3C}" type="datetimeFigureOut">
               <a:rPr lang="fr-FR" smtClean="0"/>
-              <a:t>03/06/2015</a:t>
+              <a:t>09/06/2015</a:t>
             </a:fld>
             <a:endParaRPr lang="fr-FR"/>
           </a:p>
@@ -3099,56 +3100,13 @@
       </p:grpSpPr>
       <p:sp>
         <p:nvSpPr>
-          <p:cNvPr id="2" name="Titre 1"/>
-          <p:cNvSpPr>
-            <a:spLocks noGrp="1"/>
-          </p:cNvSpPr>
-          <p:nvPr>
-            <p:ph type="ctrTitle"/>
-          </p:nvPr>
-        </p:nvSpPr>
-        <p:spPr>
-          <a:xfrm>
-            <a:off x="685800" y="764705"/>
-            <a:ext cx="7772400" cy="2835746"/>
-          </a:xfrm>
-        </p:spPr>
-        <p:txBody>
-          <a:bodyPr/>
-          <a:lstStyle/>
-          <a:p>
-            <a:endParaRPr lang="fr-FR" dirty="0"/>
-          </a:p>
-        </p:txBody>
-      </p:sp>
-      <p:sp>
-        <p:nvSpPr>
-          <p:cNvPr id="3" name="Sous-titre 2"/>
-          <p:cNvSpPr>
-            <a:spLocks noGrp="1"/>
-          </p:cNvSpPr>
-          <p:nvPr>
-            <p:ph type="subTitle" idx="1"/>
-          </p:nvPr>
-        </p:nvSpPr>
-        <p:spPr/>
-        <p:txBody>
-          <a:bodyPr/>
-          <a:lstStyle/>
-          <a:p>
-            <a:endParaRPr lang="fr-FR"/>
-          </a:p>
-        </p:txBody>
-      </p:sp>
-      <p:sp>
-        <p:nvSpPr>
           <p:cNvPr id="4" name="Rectangle 3"/>
           <p:cNvSpPr/>
           <p:nvPr/>
         </p:nvSpPr>
         <p:spPr>
           <a:xfrm>
-            <a:off x="589280" y="1026160"/>
+            <a:off x="323528" y="1996460"/>
             <a:ext cx="1347470" cy="866140"/>
           </a:xfrm>
           <a:prstGeom prst="rect">
@@ -3207,12 +3165,18 @@
         </p:nvSpPr>
         <p:spPr>
           <a:xfrm>
-            <a:off x="2879090" y="1018540"/>
+            <a:off x="2082264" y="1988840"/>
             <a:ext cx="1347470" cy="866140"/>
           </a:xfrm>
           <a:prstGeom prst="rect">
             <a:avLst/>
           </a:prstGeom>
+          <a:solidFill>
+            <a:schemeClr val="tx1">
+              <a:lumMod val="65000"/>
+              <a:lumOff val="35000"/>
+            </a:schemeClr>
+          </a:solidFill>
         </p:spPr>
         <p:style>
           <a:lnRef idx="2">
@@ -3249,7 +3213,6 @@
             </a:pPr>
             <a:r>
               <a:rPr lang="fr-FR" sz="1100">
-                <a:effectLst/>
                 <a:ea typeface="Calibri"/>
                 <a:cs typeface="Times New Roman"/>
               </a:rPr>
@@ -3266,12 +3229,18 @@
         </p:nvSpPr>
         <p:spPr>
           <a:xfrm>
-            <a:off x="5122545" y="1018540"/>
+            <a:off x="3789774" y="1988840"/>
             <a:ext cx="1347470" cy="866140"/>
           </a:xfrm>
           <a:prstGeom prst="rect">
             <a:avLst/>
           </a:prstGeom>
+          <a:solidFill>
+            <a:schemeClr val="tx1">
+              <a:lumMod val="65000"/>
+              <a:lumOff val="35000"/>
+            </a:schemeClr>
+          </a:solidFill>
         </p:spPr>
         <p:style>
           <a:lnRef idx="2">
@@ -3308,7 +3277,6 @@
             </a:pPr>
             <a:r>
               <a:rPr lang="fr-FR" sz="1100">
-                <a:effectLst/>
                 <a:ea typeface="Calibri"/>
                 <a:cs typeface="Times New Roman"/>
               </a:rPr>
@@ -3325,7 +3293,7 @@
         </p:nvSpPr>
         <p:spPr>
           <a:xfrm>
-            <a:off x="7347585" y="1018540"/>
+            <a:off x="7513881" y="1988840"/>
             <a:ext cx="1347470" cy="866140"/>
           </a:xfrm>
           <a:prstGeom prst="rect">
@@ -3367,7 +3335,6 @@
             </a:pPr>
             <a:r>
               <a:rPr lang="fr-FR" sz="1100">
-                <a:effectLst/>
                 <a:ea typeface="Calibri"/>
                 <a:cs typeface="Times New Roman"/>
               </a:rPr>
@@ -3380,15 +3347,15 @@
         <p:nvCxnSpPr>
           <p:cNvPr id="8" name="Connecteur droit avec flèche 7"/>
           <p:cNvCxnSpPr>
-            <a:stCxn id="6" idx="3"/>
+            <a:stCxn id="14" idx="3"/>
             <a:endCxn id="7" idx="1"/>
           </p:cNvCxnSpPr>
           <p:nvPr/>
         </p:nvCxnSpPr>
         <p:spPr>
           <a:xfrm>
-            <a:off x="6470015" y="1451610"/>
-            <a:ext cx="877570" cy="0"/>
+            <a:off x="6997154" y="2419866"/>
+            <a:ext cx="516727" cy="2044"/>
           </a:xfrm>
           <a:prstGeom prst="straightConnector1">
             <a:avLst/>
@@ -3426,8 +3393,8 @@
         </p:nvCxnSpPr>
         <p:spPr>
           <a:xfrm>
-            <a:off x="4226560" y="1451610"/>
-            <a:ext cx="895985" cy="0"/>
+            <a:off x="3429734" y="2421910"/>
+            <a:ext cx="360040" cy="0"/>
           </a:xfrm>
           <a:prstGeom prst="straightConnector1">
             <a:avLst/>
@@ -3465,8 +3432,8 @@
         </p:nvCxnSpPr>
         <p:spPr>
           <a:xfrm flipV="1">
-            <a:off x="1936750" y="1451610"/>
-            <a:ext cx="942340" cy="7620"/>
+            <a:off x="1670998" y="2421910"/>
+            <a:ext cx="411266" cy="7620"/>
           </a:xfrm>
           <a:prstGeom prst="straightConnector1">
             <a:avLst/>
@@ -3556,6 +3523,264 @@
           </a:p>
         </p:txBody>
       </p:sp>
+      <p:sp>
+        <p:nvSpPr>
+          <p:cNvPr id="12" name="Rectangle 1"/>
+          <p:cNvSpPr>
+            <a:spLocks noChangeArrowheads="1"/>
+          </p:cNvSpPr>
+          <p:nvPr/>
+        </p:nvSpPr>
+        <p:spPr bwMode="auto">
+          <a:xfrm>
+            <a:off x="2116847" y="647110"/>
+            <a:ext cx="4910320" cy="523220"/>
+          </a:xfrm>
+          <a:prstGeom prst="rect">
+            <a:avLst/>
+          </a:prstGeom>
+          <a:solidFill>
+            <a:srgbClr val="2B2B2B"/>
+          </a:solidFill>
+          <a:ln>
+            <a:noFill/>
+          </a:ln>
+          <a:effectLst/>
+          <a:extLst>
+            <a:ext uri="{91240B29-F687-4F45-9708-019B960494DF}">
+              <a14:hiddenLine xmlns:a14="http://schemas.microsoft.com/office/drawing/2010/main" w="9525">
+                <a:solidFill>
+                  <a:schemeClr val="tx1"/>
+                </a:solidFill>
+                <a:miter lim="800000"/>
+                <a:headEnd/>
+                <a:tailEnd/>
+              </a14:hiddenLine>
+            </a:ext>
+            <a:ext uri="{AF507438-7753-43E0-B8FC-AC1667EBCBE1}">
+              <a14:hiddenEffects xmlns:a14="http://schemas.microsoft.com/office/drawing/2010/main">
+                <a:effectLst>
+                  <a:outerShdw dist="35921" dir="2700000" algn="ctr" rotWithShape="0">
+                    <a:schemeClr val="bg2"/>
+                  </a:outerShdw>
+                </a:effectLst>
+              </a14:hiddenEffects>
+            </a:ext>
+          </a:extLst>
+        </p:spPr>
+        <p:txBody>
+          <a:bodyPr vert="horz" wrap="none" lIns="91440" tIns="45720" rIns="91440" bIns="45720" numCol="1" anchor="ctr" anchorCtr="0" compatLnSpc="1">
+            <a:prstTxWarp prst="textNoShape">
+              <a:avLst/>
+            </a:prstTxWarp>
+            <a:spAutoFit/>
+          </a:bodyPr>
+          <a:lstStyle/>
+          <a:p>
+            <a:pPr marL="0" marR="0" lvl="0" indent="0" algn="ctr" defTabSz="914400" rtl="0" eaLnBrk="1" fontAlgn="base" latinLnBrk="0" hangingPunct="1">
+              <a:lnSpc>
+                <a:spcPct val="100000"/>
+              </a:lnSpc>
+              <a:spcBef>
+                <a:spcPct val="0"/>
+              </a:spcBef>
+              <a:spcAft>
+                <a:spcPct val="0"/>
+              </a:spcAft>
+              <a:buClrTx/>
+              <a:buSzTx/>
+              <a:buFontTx/>
+              <a:buNone/>
+              <a:tabLst/>
+            </a:pPr>
+            <a:r>
+              <a:rPr lang="fr-FR" sz="2800" b="1" dirty="0" err="1" smtClean="0">
+                <a:solidFill>
+                  <a:srgbClr val="A9B7C6"/>
+                </a:solidFill>
+                <a:latin typeface="Courier New" pitchFamily="49" charset="0"/>
+                <a:cs typeface="Courier New" pitchFamily="49" charset="0"/>
+              </a:rPr>
+              <a:t>Step</a:t>
+            </a:r>
+            <a:r>
+              <a:rPr lang="fr-FR" sz="2800" b="1" dirty="0" smtClean="0">
+                <a:solidFill>
+                  <a:srgbClr val="A9B7C6"/>
+                </a:solidFill>
+                <a:latin typeface="Courier New" pitchFamily="49" charset="0"/>
+                <a:cs typeface="Courier New" pitchFamily="49" charset="0"/>
+              </a:rPr>
+              <a:t> by </a:t>
+            </a:r>
+            <a:r>
+              <a:rPr lang="fr-FR" sz="2800" b="1" dirty="0" err="1" smtClean="0">
+                <a:solidFill>
+                  <a:srgbClr val="A9B7C6"/>
+                </a:solidFill>
+                <a:latin typeface="Courier New" pitchFamily="49" charset="0"/>
+                <a:cs typeface="Courier New" pitchFamily="49" charset="0"/>
+              </a:rPr>
+              <a:t>Step</a:t>
+            </a:r>
+            <a:r>
+              <a:rPr lang="fr-FR" sz="2800" b="1" dirty="0" smtClean="0">
+                <a:solidFill>
+                  <a:srgbClr val="A9B7C6"/>
+                </a:solidFill>
+                <a:latin typeface="Courier New" pitchFamily="49" charset="0"/>
+                <a:cs typeface="Courier New" pitchFamily="49" charset="0"/>
+              </a:rPr>
+              <a:t> </a:t>
+            </a:r>
+            <a:r>
+              <a:rPr lang="fr-FR" sz="2800" b="1" dirty="0" err="1" smtClean="0">
+                <a:solidFill>
+                  <a:srgbClr val="A9B7C6"/>
+                </a:solidFill>
+                <a:latin typeface="Courier New" pitchFamily="49" charset="0"/>
+                <a:cs typeface="Courier New" pitchFamily="49" charset="0"/>
+              </a:rPr>
+              <a:t>build</a:t>
+            </a:r>
+            <a:r>
+              <a:rPr lang="fr-FR" sz="2800" b="1" dirty="0" smtClean="0">
+                <a:solidFill>
+                  <a:srgbClr val="A9B7C6"/>
+                </a:solidFill>
+                <a:latin typeface="Courier New" pitchFamily="49" charset="0"/>
+                <a:cs typeface="Courier New" pitchFamily="49" charset="0"/>
+              </a:rPr>
+              <a:t> car</a:t>
+            </a:r>
+            <a:endParaRPr kumimoji="0" lang="fr-FR" sz="2800" b="1" i="0" u="none" strike="noStrike" cap="none" normalizeH="0" baseline="0" dirty="0" smtClean="0">
+              <a:ln>
+                <a:noFill/>
+              </a:ln>
+              <a:solidFill>
+                <a:schemeClr val="tx1"/>
+              </a:solidFill>
+              <a:effectLst/>
+              <a:latin typeface="Arial" pitchFamily="34" charset="0"/>
+              <a:cs typeface="Arial" pitchFamily="34" charset="0"/>
+            </a:endParaRPr>
+          </a:p>
+        </p:txBody>
+      </p:sp>
+      <p:sp>
+        <p:nvSpPr>
+          <p:cNvPr id="14" name="Rectangle 13"/>
+          <p:cNvSpPr/>
+          <p:nvPr/>
+        </p:nvSpPr>
+        <p:spPr>
+          <a:xfrm>
+            <a:off x="5649684" y="1986796"/>
+            <a:ext cx="1347470" cy="866140"/>
+          </a:xfrm>
+          <a:prstGeom prst="rect">
+            <a:avLst/>
+          </a:prstGeom>
+          <a:solidFill>
+            <a:schemeClr val="tx1">
+              <a:lumMod val="65000"/>
+              <a:lumOff val="35000"/>
+            </a:schemeClr>
+          </a:solidFill>
+        </p:spPr>
+        <p:style>
+          <a:lnRef idx="2">
+            <a:schemeClr val="accent1">
+              <a:shade val="50000"/>
+            </a:schemeClr>
+          </a:lnRef>
+          <a:fillRef idx="1">
+            <a:schemeClr val="accent1"/>
+          </a:fillRef>
+          <a:effectRef idx="0">
+            <a:schemeClr val="accent1"/>
+          </a:effectRef>
+          <a:fontRef idx="minor">
+            <a:schemeClr val="lt1"/>
+          </a:fontRef>
+        </p:style>
+        <p:txBody>
+          <a:bodyPr rot="0" spcFirstLastPara="0" vert="horz" wrap="square" lIns="91440" tIns="45720" rIns="91440" bIns="45720" numCol="1" spcCol="0" rtlCol="0" fromWordArt="0" anchor="ctr" anchorCtr="0" forceAA="0" compatLnSpc="1">
+            <a:prstTxWarp prst="textNoShape">
+              <a:avLst/>
+            </a:prstTxWarp>
+            <a:noAutofit/>
+          </a:bodyPr>
+          <a:lstStyle/>
+          <a:p>
+            <a:pPr algn="ctr">
+              <a:lnSpc>
+                <a:spcPct val="115000"/>
+              </a:lnSpc>
+              <a:spcAft>
+                <a:spcPts val="1000"/>
+              </a:spcAft>
+            </a:pPr>
+            <a:r>
+              <a:rPr lang="fr-FR" sz="1100" dirty="0">
+                <a:ea typeface="Calibri"/>
+                <a:cs typeface="Times New Roman"/>
+              </a:rPr>
+              <a:t>Set </a:t>
+            </a:r>
+            <a:r>
+              <a:rPr lang="fr-FR" sz="1100" dirty="0" err="1">
+                <a:ea typeface="Calibri"/>
+                <a:cs typeface="Times New Roman"/>
+              </a:rPr>
+              <a:t>wheel</a:t>
+            </a:r>
+            <a:endParaRPr lang="fr-FR" sz="1100" dirty="0">
+              <a:ea typeface="Calibri"/>
+              <a:cs typeface="Times New Roman"/>
+            </a:endParaRPr>
+          </a:p>
+        </p:txBody>
+      </p:sp>
+      <p:cxnSp>
+        <p:nvCxnSpPr>
+          <p:cNvPr id="16" name="Connecteur droit avec flèche 15"/>
+          <p:cNvCxnSpPr>
+            <a:stCxn id="6" idx="3"/>
+            <a:endCxn id="14" idx="1"/>
+          </p:cNvCxnSpPr>
+          <p:nvPr/>
+        </p:nvCxnSpPr>
+        <p:spPr>
+          <a:xfrm flipV="1">
+            <a:off x="5137244" y="2419866"/>
+            <a:ext cx="512440" cy="2044"/>
+          </a:xfrm>
+          <a:prstGeom prst="straightConnector1">
+            <a:avLst/>
+          </a:prstGeom>
+          <a:ln w="38100">
+            <a:solidFill>
+              <a:schemeClr val="tx1"/>
+            </a:solidFill>
+            <a:tailEnd type="arrow"/>
+          </a:ln>
+        </p:spPr>
+        <p:style>
+          <a:lnRef idx="1">
+            <a:schemeClr val="accent1"/>
+          </a:lnRef>
+          <a:fillRef idx="0">
+            <a:schemeClr val="accent1"/>
+          </a:fillRef>
+          <a:effectRef idx="0">
+            <a:schemeClr val="accent1"/>
+          </a:effectRef>
+          <a:fontRef idx="minor">
+            <a:schemeClr val="tx1"/>
+          </a:fontRef>
+        </p:style>
+      </p:cxnSp>
     </p:spTree>
     <p:extLst>
       <p:ext uri="{BB962C8B-B14F-4D97-AF65-F5344CB8AC3E}">
@@ -3594,8 +3819,8 @@
         </p:nvSpPr>
         <p:spPr>
           <a:xfrm>
-            <a:off x="3527884" y="1483200"/>
-            <a:ext cx="1347470" cy="866140"/>
+            <a:off x="35496" y="2877934"/>
+            <a:ext cx="1347470" cy="646963"/>
           </a:xfrm>
           <a:prstGeom prst="rect">
             <a:avLst/>
@@ -3635,169 +3860,29 @@
               </a:spcAft>
             </a:pPr>
             <a:r>
-              <a:rPr lang="fr-FR" sz="1100" dirty="0" err="1" smtClean="0">
+              <a:rPr lang="fr-FR" sz="1100" dirty="0">
                 <a:effectLst/>
                 <a:ea typeface="Calibri"/>
                 <a:cs typeface="Times New Roman"/>
               </a:rPr>
-              <a:t>Delivery</a:t>
-            </a:r>
-            <a:r>
-              <a:rPr lang="fr-FR" sz="1100" dirty="0" smtClean="0">
-                <a:effectLst/>
-                <a:ea typeface="Calibri"/>
-                <a:cs typeface="Times New Roman"/>
-              </a:rPr>
-              <a:t> Dispatcher to ALL</a:t>
-            </a:r>
-            <a:endParaRPr lang="fr-FR" sz="1100" dirty="0">
-              <a:effectLst/>
-              <a:ea typeface="Calibri"/>
-              <a:cs typeface="Times New Roman"/>
-            </a:endParaRPr>
-          </a:p>
-        </p:txBody>
-      </p:sp>
-      <p:sp>
-        <p:nvSpPr>
-          <p:cNvPr id="5" name="Rectangle 4"/>
-          <p:cNvSpPr/>
-          <p:nvPr/>
-        </p:nvSpPr>
-        <p:spPr>
-          <a:xfrm>
-            <a:off x="6074869" y="83025"/>
-            <a:ext cx="1347470" cy="866140"/>
-          </a:xfrm>
-          <a:prstGeom prst="rect">
-            <a:avLst/>
-          </a:prstGeom>
-        </p:spPr>
-        <p:style>
-          <a:lnRef idx="2">
-            <a:schemeClr val="accent1">
-              <a:shade val="50000"/>
-            </a:schemeClr>
-          </a:lnRef>
-          <a:fillRef idx="1">
-            <a:schemeClr val="accent1"/>
-          </a:fillRef>
-          <a:effectRef idx="0">
-            <a:schemeClr val="accent1"/>
-          </a:effectRef>
-          <a:fontRef idx="minor">
-            <a:schemeClr val="lt1"/>
-          </a:fontRef>
-        </p:style>
-        <p:txBody>
-          <a:bodyPr rot="0" spcFirstLastPara="0" vert="horz" wrap="square" lIns="91440" tIns="45720" rIns="91440" bIns="45720" numCol="1" spcCol="0" rtlCol="0" fromWordArt="0" anchor="ctr" anchorCtr="0" forceAA="0" compatLnSpc="1">
-            <a:prstTxWarp prst="textNoShape">
-              <a:avLst/>
-            </a:prstTxWarp>
-            <a:noAutofit/>
-          </a:bodyPr>
-          <a:lstStyle/>
-          <a:p>
-            <a:pPr algn="ctr">
-              <a:lnSpc>
-                <a:spcPct val="115000"/>
-              </a:lnSpc>
-              <a:spcAft>
-                <a:spcPts val="1000"/>
-              </a:spcAft>
-            </a:pPr>
-            <a:r>
-              <a:rPr lang="fr-FR" sz="1100" dirty="0" err="1" smtClean="0">
-                <a:ea typeface="Calibri"/>
-                <a:cs typeface="Times New Roman"/>
-              </a:rPr>
-              <a:t>WebSite</a:t>
-            </a:r>
-            <a:endParaRPr lang="fr-FR" sz="1100" dirty="0">
-              <a:effectLst/>
-              <a:ea typeface="Calibri"/>
-              <a:cs typeface="Times New Roman"/>
-            </a:endParaRPr>
-          </a:p>
-        </p:txBody>
-      </p:sp>
-      <p:sp>
-        <p:nvSpPr>
-          <p:cNvPr id="7" name="Rectangle 6"/>
-          <p:cNvSpPr/>
-          <p:nvPr/>
-        </p:nvSpPr>
-        <p:spPr>
-          <a:xfrm>
-            <a:off x="6098999" y="1769333"/>
-            <a:ext cx="1347470" cy="866140"/>
-          </a:xfrm>
-          <a:prstGeom prst="rect">
-            <a:avLst/>
-          </a:prstGeom>
-        </p:spPr>
-        <p:style>
-          <a:lnRef idx="2">
-            <a:schemeClr val="accent1">
-              <a:shade val="50000"/>
-            </a:schemeClr>
-          </a:lnRef>
-          <a:fillRef idx="1">
-            <a:schemeClr val="accent1"/>
-          </a:fillRef>
-          <a:effectRef idx="0">
-            <a:schemeClr val="accent1"/>
-          </a:effectRef>
-          <a:fontRef idx="minor">
-            <a:schemeClr val="lt1"/>
-          </a:fontRef>
-        </p:style>
-        <p:txBody>
-          <a:bodyPr rot="0" spcFirstLastPara="0" vert="horz" wrap="square" lIns="91440" tIns="45720" rIns="91440" bIns="45720" numCol="1" spcCol="0" rtlCol="0" fromWordArt="0" anchor="ctr" anchorCtr="0" forceAA="0" compatLnSpc="1">
-            <a:prstTxWarp prst="textNoShape">
-              <a:avLst/>
-            </a:prstTxWarp>
-            <a:noAutofit/>
-          </a:bodyPr>
-          <a:lstStyle/>
-          <a:p>
-            <a:pPr algn="ctr">
-              <a:lnSpc>
-                <a:spcPct val="115000"/>
-              </a:lnSpc>
-              <a:spcAft>
-                <a:spcPts val="1000"/>
-              </a:spcAft>
-            </a:pPr>
-            <a:r>
-              <a:rPr lang="fr-FR" sz="1100" dirty="0" err="1" smtClean="0">
-                <a:effectLst/>
-                <a:ea typeface="Calibri"/>
-                <a:cs typeface="Times New Roman"/>
-              </a:rPr>
-              <a:t>Twitter</a:t>
-            </a:r>
-            <a:endParaRPr lang="fr-FR" sz="1100" dirty="0">
-              <a:effectLst/>
-              <a:ea typeface="Calibri"/>
-              <a:cs typeface="Times New Roman"/>
-            </a:endParaRPr>
+              <a:t>New Car</a:t>
+            </a:r>
           </a:p>
         </p:txBody>
       </p:sp>
       <p:cxnSp>
         <p:nvCxnSpPr>
-          <p:cNvPr id="8" name="Connecteur droit avec flèche 7"/>
+          <p:cNvPr id="10" name="Connecteur droit avec flèche 9"/>
           <p:cNvCxnSpPr>
             <a:stCxn id="4" idx="3"/>
-            <a:endCxn id="7" idx="1"/>
+            <a:endCxn id="16" idx="2"/>
           </p:cNvCxnSpPr>
           <p:nvPr/>
         </p:nvCxnSpPr>
         <p:spPr>
           <a:xfrm>
-            <a:off x="4875354" y="1916270"/>
-            <a:ext cx="1223645" cy="286133"/>
+            <a:off x="1382966" y="3201416"/>
+            <a:ext cx="338140" cy="10136"/>
           </a:xfrm>
           <a:prstGeom prst="straightConnector1">
             <a:avLst/>
@@ -3824,44 +3909,6 @@
           </a:fontRef>
         </p:style>
       </p:cxnSp>
-      <p:cxnSp>
-        <p:nvCxnSpPr>
-          <p:cNvPr id="10" name="Connecteur droit avec flèche 9"/>
-          <p:cNvCxnSpPr>
-            <a:endCxn id="5" idx="1"/>
-          </p:cNvCxnSpPr>
-          <p:nvPr/>
-        </p:nvCxnSpPr>
-        <p:spPr>
-          <a:xfrm flipV="1">
-            <a:off x="4895720" y="516095"/>
-            <a:ext cx="1179149" cy="1383032"/>
-          </a:xfrm>
-          <a:prstGeom prst="straightConnector1">
-            <a:avLst/>
-          </a:prstGeom>
-          <a:ln w="38100">
-            <a:solidFill>
-              <a:schemeClr val="tx1"/>
-            </a:solidFill>
-            <a:tailEnd type="arrow"/>
-          </a:ln>
-        </p:spPr>
-        <p:style>
-          <a:lnRef idx="1">
-            <a:schemeClr val="accent1"/>
-          </a:lnRef>
-          <a:fillRef idx="0">
-            <a:schemeClr val="accent1"/>
-          </a:fillRef>
-          <a:effectRef idx="0">
-            <a:schemeClr val="accent1"/>
-          </a:effectRef>
-          <a:fontRef idx="minor">
-            <a:schemeClr val="tx1"/>
-          </a:fontRef>
-        </p:style>
-      </p:cxnSp>
       <p:sp>
         <p:nvSpPr>
           <p:cNvPr id="11" name="Rectangle 8"/>
@@ -3872,7 +3919,7 @@
         </p:nvSpPr>
         <p:spPr bwMode="auto">
           <a:xfrm>
-            <a:off x="0" y="0"/>
+            <a:off x="1547664" y="908720"/>
             <a:ext cx="9144000" cy="457200"/>
           </a:xfrm>
           <a:prstGeom prst="rect">
@@ -3927,6 +3974,822 @@
       </p:sp>
       <p:sp>
         <p:nvSpPr>
+          <p:cNvPr id="12" name="Rectangle 1"/>
+          <p:cNvSpPr>
+            <a:spLocks noChangeArrowheads="1"/>
+          </p:cNvSpPr>
+          <p:nvPr/>
+        </p:nvSpPr>
+        <p:spPr bwMode="auto">
+          <a:xfrm>
+            <a:off x="720638" y="647110"/>
+            <a:ext cx="7702750" cy="523220"/>
+          </a:xfrm>
+          <a:prstGeom prst="rect">
+            <a:avLst/>
+          </a:prstGeom>
+          <a:solidFill>
+            <a:srgbClr val="2B2B2B"/>
+          </a:solidFill>
+          <a:ln>
+            <a:noFill/>
+          </a:ln>
+          <a:effectLst/>
+          <a:extLst>
+            <a:ext uri="{91240B29-F687-4F45-9708-019B960494DF}">
+              <a14:hiddenLine xmlns:a14="http://schemas.microsoft.com/office/drawing/2010/main" w="9525">
+                <a:solidFill>
+                  <a:schemeClr val="tx1"/>
+                </a:solidFill>
+                <a:miter lim="800000"/>
+                <a:headEnd/>
+                <a:tailEnd/>
+              </a14:hiddenLine>
+            </a:ext>
+            <a:ext uri="{AF507438-7753-43E0-B8FC-AC1667EBCBE1}">
+              <a14:hiddenEffects xmlns:a14="http://schemas.microsoft.com/office/drawing/2010/main">
+                <a:effectLst>
+                  <a:outerShdw dist="35921" dir="2700000" algn="ctr" rotWithShape="0">
+                    <a:schemeClr val="bg2"/>
+                  </a:outerShdw>
+                </a:effectLst>
+              </a14:hiddenEffects>
+            </a:ext>
+          </a:extLst>
+        </p:spPr>
+        <p:txBody>
+          <a:bodyPr vert="horz" wrap="none" lIns="91440" tIns="45720" rIns="91440" bIns="45720" numCol="1" anchor="ctr" anchorCtr="0" compatLnSpc="1">
+            <a:prstTxWarp prst="textNoShape">
+              <a:avLst/>
+            </a:prstTxWarp>
+            <a:spAutoFit/>
+          </a:bodyPr>
+          <a:lstStyle/>
+          <a:p>
+            <a:pPr marL="0" marR="0" lvl="0" indent="0" algn="ctr" defTabSz="914400" rtl="0" eaLnBrk="1" fontAlgn="base" latinLnBrk="0" hangingPunct="1">
+              <a:lnSpc>
+                <a:spcPct val="100000"/>
+              </a:lnSpc>
+              <a:spcBef>
+                <a:spcPct val="0"/>
+              </a:spcBef>
+              <a:spcAft>
+                <a:spcPct val="0"/>
+              </a:spcAft>
+              <a:buClrTx/>
+              <a:buSzTx/>
+              <a:buFontTx/>
+              <a:buNone/>
+              <a:tabLst/>
+            </a:pPr>
+            <a:r>
+              <a:rPr lang="fr-FR" sz="2800" b="1" dirty="0" err="1" smtClean="0">
+                <a:solidFill>
+                  <a:srgbClr val="A9B7C6"/>
+                </a:solidFill>
+                <a:latin typeface="Courier New" pitchFamily="49" charset="0"/>
+                <a:cs typeface="Courier New" pitchFamily="49" charset="0"/>
+              </a:rPr>
+              <a:t>Parallel</a:t>
+            </a:r>
+            <a:r>
+              <a:rPr lang="fr-FR" sz="2800" b="1" dirty="0" smtClean="0">
+                <a:solidFill>
+                  <a:srgbClr val="A9B7C6"/>
+                </a:solidFill>
+                <a:latin typeface="Courier New" pitchFamily="49" charset="0"/>
+                <a:cs typeface="Courier New" pitchFamily="49" charset="0"/>
+              </a:rPr>
+              <a:t> </a:t>
+            </a:r>
+            <a:r>
+              <a:rPr lang="fr-FR" sz="2800" b="1" dirty="0" err="1" smtClean="0">
+                <a:solidFill>
+                  <a:srgbClr val="A9B7C6"/>
+                </a:solidFill>
+                <a:latin typeface="Courier New" pitchFamily="49" charset="0"/>
+                <a:cs typeface="Courier New" pitchFamily="49" charset="0"/>
+              </a:rPr>
+              <a:t>build</a:t>
+            </a:r>
+            <a:r>
+              <a:rPr lang="fr-FR" sz="2800" b="1" dirty="0" smtClean="0">
+                <a:solidFill>
+                  <a:srgbClr val="A9B7C6"/>
+                </a:solidFill>
+                <a:latin typeface="Courier New" pitchFamily="49" charset="0"/>
+                <a:cs typeface="Courier New" pitchFamily="49" charset="0"/>
+              </a:rPr>
+              <a:t> car / </a:t>
+            </a:r>
+            <a:r>
+              <a:rPr lang="fr-FR" sz="2800" b="1" dirty="0" err="1" smtClean="0">
+                <a:solidFill>
+                  <a:srgbClr val="A9B7C6"/>
+                </a:solidFill>
+                <a:latin typeface="Courier New" pitchFamily="49" charset="0"/>
+                <a:cs typeface="Courier New" pitchFamily="49" charset="0"/>
+              </a:rPr>
+              <a:t>Diamond</a:t>
+            </a:r>
+            <a:r>
+              <a:rPr lang="fr-FR" sz="2800" b="1" dirty="0" smtClean="0">
+                <a:solidFill>
+                  <a:srgbClr val="A9B7C6"/>
+                </a:solidFill>
+                <a:latin typeface="Courier New" pitchFamily="49" charset="0"/>
+                <a:cs typeface="Courier New" pitchFamily="49" charset="0"/>
+              </a:rPr>
+              <a:t> </a:t>
+            </a:r>
+            <a:r>
+              <a:rPr lang="fr-FR" sz="2800" b="1" dirty="0" err="1" smtClean="0">
+                <a:solidFill>
+                  <a:srgbClr val="A9B7C6"/>
+                </a:solidFill>
+                <a:latin typeface="Courier New" pitchFamily="49" charset="0"/>
+                <a:cs typeface="Courier New" pitchFamily="49" charset="0"/>
+              </a:rPr>
+              <a:t>patten</a:t>
+            </a:r>
+            <a:endParaRPr kumimoji="0" lang="fr-FR" sz="2800" b="1" i="0" u="none" strike="noStrike" cap="none" normalizeH="0" baseline="0" dirty="0" smtClean="0">
+              <a:ln>
+                <a:noFill/>
+              </a:ln>
+              <a:solidFill>
+                <a:schemeClr val="tx1"/>
+              </a:solidFill>
+              <a:effectLst/>
+              <a:latin typeface="Arial" pitchFamily="34" charset="0"/>
+              <a:cs typeface="Arial" pitchFamily="34" charset="0"/>
+            </a:endParaRPr>
+          </a:p>
+        </p:txBody>
+      </p:sp>
+      <p:sp>
+        <p:nvSpPr>
+          <p:cNvPr id="16" name="Ellipse 15"/>
+          <p:cNvSpPr/>
+          <p:nvPr/>
+        </p:nvSpPr>
+        <p:spPr>
+          <a:xfrm rot="23552">
+            <a:off x="1721040" y="1503985"/>
+            <a:ext cx="5617036" cy="3453616"/>
+          </a:xfrm>
+          <a:prstGeom prst="ellipse">
+            <a:avLst/>
+          </a:prstGeom>
+        </p:spPr>
+        <p:style>
+          <a:lnRef idx="2">
+            <a:schemeClr val="accent1">
+              <a:shade val="50000"/>
+            </a:schemeClr>
+          </a:lnRef>
+          <a:fillRef idx="1">
+            <a:schemeClr val="accent1"/>
+          </a:fillRef>
+          <a:effectRef idx="0">
+            <a:schemeClr val="accent1"/>
+          </a:effectRef>
+          <a:fontRef idx="minor">
+            <a:schemeClr val="lt1"/>
+          </a:fontRef>
+        </p:style>
+        <p:txBody>
+          <a:bodyPr rtlCol="0" anchor="ctr"/>
+          <a:lstStyle/>
+          <a:p>
+            <a:pPr algn="just"/>
+            <a:endParaRPr lang="fr-FR" dirty="0" smtClean="0"/>
+          </a:p>
+        </p:txBody>
+      </p:sp>
+      <p:sp>
+        <p:nvSpPr>
+          <p:cNvPr id="5" name="Rectangle 4"/>
+          <p:cNvSpPr/>
+          <p:nvPr/>
+        </p:nvSpPr>
+        <p:spPr>
+          <a:xfrm>
+            <a:off x="4937183" y="1869822"/>
+            <a:ext cx="959245" cy="650116"/>
+          </a:xfrm>
+          <a:prstGeom prst="rect">
+            <a:avLst/>
+          </a:prstGeom>
+          <a:solidFill>
+            <a:schemeClr val="tx1">
+              <a:lumMod val="65000"/>
+              <a:lumOff val="35000"/>
+            </a:schemeClr>
+          </a:solidFill>
+        </p:spPr>
+        <p:style>
+          <a:lnRef idx="2">
+            <a:schemeClr val="accent1">
+              <a:shade val="50000"/>
+            </a:schemeClr>
+          </a:lnRef>
+          <a:fillRef idx="1">
+            <a:schemeClr val="accent1"/>
+          </a:fillRef>
+          <a:effectRef idx="0">
+            <a:schemeClr val="accent1"/>
+          </a:effectRef>
+          <a:fontRef idx="minor">
+            <a:schemeClr val="lt1"/>
+          </a:fontRef>
+        </p:style>
+        <p:txBody>
+          <a:bodyPr rot="0" spcFirstLastPara="0" vert="horz" wrap="square" lIns="91440" tIns="45720" rIns="91440" bIns="45720" numCol="1" spcCol="0" rtlCol="0" fromWordArt="0" anchor="ctr" anchorCtr="0" forceAA="0" compatLnSpc="1">
+            <a:prstTxWarp prst="textNoShape">
+              <a:avLst/>
+            </a:prstTxWarp>
+            <a:noAutofit/>
+          </a:bodyPr>
+          <a:lstStyle/>
+          <a:p>
+            <a:pPr algn="ctr">
+              <a:lnSpc>
+                <a:spcPct val="115000"/>
+              </a:lnSpc>
+              <a:spcAft>
+                <a:spcPts val="1000"/>
+              </a:spcAft>
+            </a:pPr>
+            <a:r>
+              <a:rPr lang="fr-FR" sz="1100">
+                <a:effectLst/>
+                <a:ea typeface="Calibri"/>
+                <a:cs typeface="Times New Roman"/>
+              </a:rPr>
+              <a:t>Set Color</a:t>
+            </a:r>
+          </a:p>
+        </p:txBody>
+      </p:sp>
+      <p:sp>
+        <p:nvSpPr>
+          <p:cNvPr id="6" name="Rectangle 5"/>
+          <p:cNvSpPr/>
+          <p:nvPr/>
+        </p:nvSpPr>
+        <p:spPr>
+          <a:xfrm>
+            <a:off x="4937183" y="2877934"/>
+            <a:ext cx="959245" cy="650116"/>
+          </a:xfrm>
+          <a:prstGeom prst="rect">
+            <a:avLst/>
+          </a:prstGeom>
+          <a:solidFill>
+            <a:schemeClr val="tx1">
+              <a:lumMod val="65000"/>
+              <a:lumOff val="35000"/>
+            </a:schemeClr>
+          </a:solidFill>
+        </p:spPr>
+        <p:style>
+          <a:lnRef idx="2">
+            <a:schemeClr val="accent1">
+              <a:shade val="50000"/>
+            </a:schemeClr>
+          </a:lnRef>
+          <a:fillRef idx="1">
+            <a:schemeClr val="accent1"/>
+          </a:fillRef>
+          <a:effectRef idx="0">
+            <a:schemeClr val="accent1"/>
+          </a:effectRef>
+          <a:fontRef idx="minor">
+            <a:schemeClr val="lt1"/>
+          </a:fontRef>
+        </p:style>
+        <p:txBody>
+          <a:bodyPr rot="0" spcFirstLastPara="0" vert="horz" wrap="square" lIns="91440" tIns="45720" rIns="91440" bIns="45720" numCol="1" spcCol="0" rtlCol="0" fromWordArt="0" anchor="ctr" anchorCtr="0" forceAA="0" compatLnSpc="1">
+            <a:prstTxWarp prst="textNoShape">
+              <a:avLst/>
+            </a:prstTxWarp>
+            <a:noAutofit/>
+          </a:bodyPr>
+          <a:lstStyle/>
+          <a:p>
+            <a:pPr algn="ctr">
+              <a:lnSpc>
+                <a:spcPct val="115000"/>
+              </a:lnSpc>
+              <a:spcAft>
+                <a:spcPts val="1000"/>
+              </a:spcAft>
+            </a:pPr>
+            <a:r>
+              <a:rPr lang="fr-FR" sz="1100">
+                <a:ea typeface="Calibri"/>
+                <a:cs typeface="Times New Roman"/>
+              </a:rPr>
+              <a:t>Set Power</a:t>
+            </a:r>
+          </a:p>
+        </p:txBody>
+      </p:sp>
+      <p:sp>
+        <p:nvSpPr>
+          <p:cNvPr id="7" name="Rectangle 6"/>
+          <p:cNvSpPr/>
+          <p:nvPr/>
+        </p:nvSpPr>
+        <p:spPr>
+          <a:xfrm>
+            <a:off x="4937183" y="4030062"/>
+            <a:ext cx="959245" cy="650116"/>
+          </a:xfrm>
+          <a:prstGeom prst="rect">
+            <a:avLst/>
+          </a:prstGeom>
+          <a:solidFill>
+            <a:schemeClr val="tx1">
+              <a:lumMod val="65000"/>
+              <a:lumOff val="35000"/>
+            </a:schemeClr>
+          </a:solidFill>
+        </p:spPr>
+        <p:style>
+          <a:lnRef idx="2">
+            <a:schemeClr val="accent1">
+              <a:shade val="50000"/>
+            </a:schemeClr>
+          </a:lnRef>
+          <a:fillRef idx="1">
+            <a:schemeClr val="accent1"/>
+          </a:fillRef>
+          <a:effectRef idx="0">
+            <a:schemeClr val="accent1"/>
+          </a:effectRef>
+          <a:fontRef idx="minor">
+            <a:schemeClr val="lt1"/>
+          </a:fontRef>
+        </p:style>
+        <p:txBody>
+          <a:bodyPr rot="0" spcFirstLastPara="0" vert="horz" wrap="square" lIns="91440" tIns="45720" rIns="91440" bIns="45720" numCol="1" spcCol="0" rtlCol="0" fromWordArt="0" anchor="ctr" anchorCtr="0" forceAA="0" compatLnSpc="1">
+            <a:prstTxWarp prst="textNoShape">
+              <a:avLst/>
+            </a:prstTxWarp>
+            <a:noAutofit/>
+          </a:bodyPr>
+          <a:lstStyle/>
+          <a:p>
+            <a:pPr algn="ctr">
+              <a:lnSpc>
+                <a:spcPct val="115000"/>
+              </a:lnSpc>
+              <a:spcAft>
+                <a:spcPts val="1000"/>
+              </a:spcAft>
+            </a:pPr>
+            <a:r>
+              <a:rPr lang="fr-FR" sz="1100" dirty="0" err="1">
+                <a:ea typeface="Calibri"/>
+                <a:cs typeface="Times New Roman"/>
+              </a:rPr>
+              <a:t>Print</a:t>
+            </a:r>
+            <a:r>
+              <a:rPr lang="fr-FR" sz="1100" dirty="0">
+                <a:ea typeface="Calibri"/>
+                <a:cs typeface="Times New Roman"/>
+              </a:rPr>
+              <a:t> Car</a:t>
+            </a:r>
+          </a:p>
+        </p:txBody>
+      </p:sp>
+      <p:sp>
+        <p:nvSpPr>
+          <p:cNvPr id="27" name="Rectangle 26"/>
+          <p:cNvSpPr/>
+          <p:nvPr/>
+        </p:nvSpPr>
+        <p:spPr>
+          <a:xfrm>
+            <a:off x="7745495" y="2804904"/>
+            <a:ext cx="1347470" cy="866140"/>
+          </a:xfrm>
+          <a:prstGeom prst="rect">
+            <a:avLst/>
+          </a:prstGeom>
+        </p:spPr>
+        <p:style>
+          <a:lnRef idx="2">
+            <a:schemeClr val="accent1">
+              <a:shade val="50000"/>
+            </a:schemeClr>
+          </a:lnRef>
+          <a:fillRef idx="1">
+            <a:schemeClr val="accent1"/>
+          </a:fillRef>
+          <a:effectRef idx="0">
+            <a:schemeClr val="accent1"/>
+          </a:effectRef>
+          <a:fontRef idx="minor">
+            <a:schemeClr val="lt1"/>
+          </a:fontRef>
+        </p:style>
+        <p:txBody>
+          <a:bodyPr rot="0" spcFirstLastPara="0" vert="horz" wrap="square" lIns="91440" tIns="45720" rIns="91440" bIns="45720" numCol="1" spcCol="0" rtlCol="0" fromWordArt="0" anchor="ctr" anchorCtr="0" forceAA="0" compatLnSpc="1">
+            <a:prstTxWarp prst="textNoShape">
+              <a:avLst/>
+            </a:prstTxWarp>
+            <a:noAutofit/>
+          </a:bodyPr>
+          <a:lstStyle/>
+          <a:p>
+            <a:pPr algn="ctr">
+              <a:lnSpc>
+                <a:spcPct val="115000"/>
+              </a:lnSpc>
+              <a:spcAft>
+                <a:spcPts val="1000"/>
+              </a:spcAft>
+            </a:pPr>
+            <a:r>
+              <a:rPr lang="fr-FR" sz="1100">
+                <a:ea typeface="Calibri"/>
+                <a:cs typeface="Times New Roman"/>
+              </a:rPr>
+              <a:t>Print Car</a:t>
+            </a:r>
+          </a:p>
+        </p:txBody>
+      </p:sp>
+      <p:cxnSp>
+        <p:nvCxnSpPr>
+          <p:cNvPr id="29" name="Connecteur droit avec flèche 28"/>
+          <p:cNvCxnSpPr>
+            <a:stCxn id="16" idx="6"/>
+            <a:endCxn id="27" idx="1"/>
+          </p:cNvCxnSpPr>
+          <p:nvPr/>
+        </p:nvCxnSpPr>
+        <p:spPr>
+          <a:xfrm flipV="1">
+            <a:off x="7338010" y="3237974"/>
+            <a:ext cx="407485" cy="12060"/>
+          </a:xfrm>
+          <a:prstGeom prst="straightConnector1">
+            <a:avLst/>
+          </a:prstGeom>
+          <a:ln w="38100">
+            <a:solidFill>
+              <a:schemeClr val="tx1"/>
+            </a:solidFill>
+            <a:tailEnd type="arrow"/>
+          </a:ln>
+        </p:spPr>
+        <p:style>
+          <a:lnRef idx="1">
+            <a:schemeClr val="accent1"/>
+          </a:lnRef>
+          <a:fillRef idx="0">
+            <a:schemeClr val="accent1"/>
+          </a:fillRef>
+          <a:effectRef idx="0">
+            <a:schemeClr val="accent1"/>
+          </a:effectRef>
+          <a:fontRef idx="minor">
+            <a:schemeClr val="tx1"/>
+          </a:fontRef>
+        </p:style>
+      </p:cxnSp>
+      <p:cxnSp>
+        <p:nvCxnSpPr>
+          <p:cNvPr id="54" name="Connecteur droit avec flèche 53"/>
+          <p:cNvCxnSpPr>
+            <a:stCxn id="16" idx="2"/>
+            <a:endCxn id="5" idx="1"/>
+          </p:cNvCxnSpPr>
+          <p:nvPr/>
+        </p:nvCxnSpPr>
+        <p:spPr>
+          <a:xfrm flipV="1">
+            <a:off x="1721106" y="2194880"/>
+            <a:ext cx="3216077" cy="1016672"/>
+          </a:xfrm>
+          <a:prstGeom prst="straightConnector1">
+            <a:avLst/>
+          </a:prstGeom>
+          <a:ln w="28575">
+            <a:solidFill>
+              <a:schemeClr val="accent2">
+                <a:lumMod val="60000"/>
+                <a:lumOff val="40000"/>
+              </a:schemeClr>
+            </a:solidFill>
+            <a:prstDash val="sysDash"/>
+            <a:tailEnd type="arrow"/>
+          </a:ln>
+        </p:spPr>
+        <p:style>
+          <a:lnRef idx="1">
+            <a:schemeClr val="accent1"/>
+          </a:lnRef>
+          <a:fillRef idx="0">
+            <a:schemeClr val="accent1"/>
+          </a:fillRef>
+          <a:effectRef idx="0">
+            <a:schemeClr val="accent1"/>
+          </a:effectRef>
+          <a:fontRef idx="minor">
+            <a:schemeClr val="tx1"/>
+          </a:fontRef>
+        </p:style>
+      </p:cxnSp>
+      <p:cxnSp>
+        <p:nvCxnSpPr>
+          <p:cNvPr id="57" name="Connecteur droit avec flèche 56"/>
+          <p:cNvCxnSpPr>
+            <a:stCxn id="16" idx="2"/>
+            <a:endCxn id="6" idx="1"/>
+          </p:cNvCxnSpPr>
+          <p:nvPr/>
+        </p:nvCxnSpPr>
+        <p:spPr>
+          <a:xfrm flipV="1">
+            <a:off x="1721106" y="3202992"/>
+            <a:ext cx="3216077" cy="8560"/>
+          </a:xfrm>
+          <a:prstGeom prst="straightConnector1">
+            <a:avLst/>
+          </a:prstGeom>
+          <a:ln w="28575">
+            <a:solidFill>
+              <a:schemeClr val="accent2">
+                <a:lumMod val="60000"/>
+                <a:lumOff val="40000"/>
+              </a:schemeClr>
+            </a:solidFill>
+            <a:prstDash val="sysDash"/>
+            <a:tailEnd type="arrow"/>
+          </a:ln>
+        </p:spPr>
+        <p:style>
+          <a:lnRef idx="1">
+            <a:schemeClr val="accent1"/>
+          </a:lnRef>
+          <a:fillRef idx="0">
+            <a:schemeClr val="accent1"/>
+          </a:fillRef>
+          <a:effectRef idx="0">
+            <a:schemeClr val="accent1"/>
+          </a:effectRef>
+          <a:fontRef idx="minor">
+            <a:schemeClr val="tx1"/>
+          </a:fontRef>
+        </p:style>
+      </p:cxnSp>
+      <p:cxnSp>
+        <p:nvCxnSpPr>
+          <p:cNvPr id="60" name="Connecteur droit avec flèche 59"/>
+          <p:cNvCxnSpPr>
+            <a:stCxn id="16" idx="2"/>
+            <a:endCxn id="7" idx="1"/>
+          </p:cNvCxnSpPr>
+          <p:nvPr/>
+        </p:nvCxnSpPr>
+        <p:spPr>
+          <a:xfrm>
+            <a:off x="1721106" y="3211552"/>
+            <a:ext cx="3216077" cy="1143568"/>
+          </a:xfrm>
+          <a:prstGeom prst="straightConnector1">
+            <a:avLst/>
+          </a:prstGeom>
+          <a:ln w="28575">
+            <a:solidFill>
+              <a:schemeClr val="accent2">
+                <a:lumMod val="60000"/>
+                <a:lumOff val="40000"/>
+              </a:schemeClr>
+            </a:solidFill>
+            <a:prstDash val="sysDash"/>
+            <a:tailEnd type="arrow"/>
+          </a:ln>
+        </p:spPr>
+        <p:style>
+          <a:lnRef idx="1">
+            <a:schemeClr val="accent1"/>
+          </a:lnRef>
+          <a:fillRef idx="0">
+            <a:schemeClr val="accent1"/>
+          </a:fillRef>
+          <a:effectRef idx="0">
+            <a:schemeClr val="accent1"/>
+          </a:effectRef>
+          <a:fontRef idx="minor">
+            <a:schemeClr val="tx1"/>
+          </a:fontRef>
+        </p:style>
+      </p:cxnSp>
+      <p:cxnSp>
+        <p:nvCxnSpPr>
+          <p:cNvPr id="64" name="Connecteur droit avec flèche 63"/>
+          <p:cNvCxnSpPr>
+            <a:endCxn id="16" idx="6"/>
+          </p:cNvCxnSpPr>
+          <p:nvPr/>
+        </p:nvCxnSpPr>
+        <p:spPr>
+          <a:xfrm>
+            <a:off x="5854155" y="2186317"/>
+            <a:ext cx="1483855" cy="1063717"/>
+          </a:xfrm>
+          <a:prstGeom prst="straightConnector1">
+            <a:avLst/>
+          </a:prstGeom>
+          <a:ln w="28575">
+            <a:solidFill>
+              <a:schemeClr val="accent2">
+                <a:lumMod val="60000"/>
+                <a:lumOff val="40000"/>
+              </a:schemeClr>
+            </a:solidFill>
+            <a:prstDash val="sysDash"/>
+            <a:tailEnd type="arrow"/>
+          </a:ln>
+        </p:spPr>
+        <p:style>
+          <a:lnRef idx="1">
+            <a:schemeClr val="accent1"/>
+          </a:lnRef>
+          <a:fillRef idx="0">
+            <a:schemeClr val="accent1"/>
+          </a:fillRef>
+          <a:effectRef idx="0">
+            <a:schemeClr val="accent1"/>
+          </a:effectRef>
+          <a:fontRef idx="minor">
+            <a:schemeClr val="tx1"/>
+          </a:fontRef>
+        </p:style>
+      </p:cxnSp>
+      <p:cxnSp>
+        <p:nvCxnSpPr>
+          <p:cNvPr id="67" name="Connecteur droit avec flèche 66"/>
+          <p:cNvCxnSpPr>
+            <a:stCxn id="6" idx="3"/>
+            <a:endCxn id="16" idx="6"/>
+          </p:cNvCxnSpPr>
+          <p:nvPr/>
+        </p:nvCxnSpPr>
+        <p:spPr>
+          <a:xfrm>
+            <a:off x="5896428" y="3202992"/>
+            <a:ext cx="1441582" cy="47042"/>
+          </a:xfrm>
+          <a:prstGeom prst="straightConnector1">
+            <a:avLst/>
+          </a:prstGeom>
+          <a:ln w="28575">
+            <a:solidFill>
+              <a:schemeClr val="accent2">
+                <a:lumMod val="60000"/>
+                <a:lumOff val="40000"/>
+              </a:schemeClr>
+            </a:solidFill>
+            <a:prstDash val="sysDash"/>
+            <a:tailEnd type="arrow"/>
+          </a:ln>
+        </p:spPr>
+        <p:style>
+          <a:lnRef idx="1">
+            <a:schemeClr val="accent1"/>
+          </a:lnRef>
+          <a:fillRef idx="0">
+            <a:schemeClr val="accent1"/>
+          </a:fillRef>
+          <a:effectRef idx="0">
+            <a:schemeClr val="accent1"/>
+          </a:effectRef>
+          <a:fontRef idx="minor">
+            <a:schemeClr val="tx1"/>
+          </a:fontRef>
+        </p:style>
+      </p:cxnSp>
+      <p:cxnSp>
+        <p:nvCxnSpPr>
+          <p:cNvPr id="69" name="Connecteur droit avec flèche 68"/>
+          <p:cNvCxnSpPr>
+            <a:stCxn id="7" idx="3"/>
+            <a:endCxn id="16" idx="6"/>
+          </p:cNvCxnSpPr>
+          <p:nvPr/>
+        </p:nvCxnSpPr>
+        <p:spPr>
+          <a:xfrm flipV="1">
+            <a:off x="5896428" y="3250034"/>
+            <a:ext cx="1441582" cy="1105086"/>
+          </a:xfrm>
+          <a:prstGeom prst="straightConnector1">
+            <a:avLst/>
+          </a:prstGeom>
+          <a:ln w="28575">
+            <a:solidFill>
+              <a:schemeClr val="accent2">
+                <a:lumMod val="60000"/>
+                <a:lumOff val="40000"/>
+              </a:schemeClr>
+            </a:solidFill>
+            <a:prstDash val="sysDash"/>
+            <a:tailEnd type="arrow"/>
+          </a:ln>
+        </p:spPr>
+        <p:style>
+          <a:lnRef idx="1">
+            <a:schemeClr val="accent1"/>
+          </a:lnRef>
+          <a:fillRef idx="0">
+            <a:schemeClr val="accent1"/>
+          </a:fillRef>
+          <a:effectRef idx="0">
+            <a:schemeClr val="accent1"/>
+          </a:effectRef>
+          <a:fontRef idx="minor">
+            <a:schemeClr val="tx1"/>
+          </a:fontRef>
+        </p:style>
+      </p:cxnSp>
+      <p:sp>
+        <p:nvSpPr>
+          <p:cNvPr id="74" name="Rectangle 73"/>
+          <p:cNvSpPr/>
+          <p:nvPr/>
+        </p:nvSpPr>
+        <p:spPr>
+          <a:xfrm>
+            <a:off x="2653461" y="1869822"/>
+            <a:ext cx="1918539" cy="369332"/>
+          </a:xfrm>
+          <a:prstGeom prst="rect">
+            <a:avLst/>
+          </a:prstGeom>
+        </p:spPr>
+        <p:txBody>
+          <a:bodyPr wrap="none">
+            <a:spAutoFit/>
+          </a:bodyPr>
+          <a:lstStyle/>
+          <a:p>
+            <a:pPr algn="just"/>
+            <a:r>
+              <a:rPr lang="fr-FR" dirty="0" err="1"/>
+              <a:t>Parallel</a:t>
+            </a:r>
+            <a:r>
+              <a:rPr lang="fr-FR" dirty="0"/>
+              <a:t> </a:t>
+            </a:r>
+            <a:r>
+              <a:rPr lang="fr-FR" dirty="0" err="1"/>
+              <a:t>processing</a:t>
+            </a:r>
+            <a:endParaRPr lang="fr-FR" dirty="0"/>
+          </a:p>
+        </p:txBody>
+      </p:sp>
+    </p:spTree>
+    <p:extLst>
+      <p:ext uri="{BB962C8B-B14F-4D97-AF65-F5344CB8AC3E}">
+        <p14:creationId xmlns:p14="http://schemas.microsoft.com/office/powerpoint/2010/main" val="4114946634"/>
+      </p:ext>
+    </p:extLst>
+  </p:cSld>
+  <p:clrMapOvr>
+    <a:masterClrMapping/>
+  </p:clrMapOvr>
+</p:sld>
+</file>
+
+<file path=ppt/slides/slide3.xml><?xml version="1.0" encoding="utf-8"?>
+<p:sld xmlns:a="http://schemas.openxmlformats.org/drawingml/2006/main" xmlns:r="http://schemas.openxmlformats.org/officeDocument/2006/relationships" xmlns:p="http://schemas.openxmlformats.org/presentationml/2006/main">
+  <p:cSld>
+    <p:spTree>
+      <p:nvGrpSpPr>
+        <p:cNvPr id="1" name=""/>
+        <p:cNvGrpSpPr/>
+        <p:nvPr/>
+      </p:nvGrpSpPr>
+      <p:grpSpPr>
+        <a:xfrm>
+          <a:off x="0" y="0"/>
+          <a:ext cx="0" cy="0"/>
+          <a:chOff x="0" y="0"/>
+          <a:chExt cx="0" cy="0"/>
+        </a:xfrm>
+      </p:grpSpPr>
+      <p:sp>
+        <p:nvSpPr>
           <p:cNvPr id="12" name="Rectangle 13"/>
           <p:cNvSpPr>
             <a:spLocks noChangeArrowheads="1"/>
@@ -4016,13 +4879,13 @@
       </p:sp>
       <p:sp>
         <p:nvSpPr>
-          <p:cNvPr id="21" name="Rectangle 20"/>
+          <p:cNvPr id="25" name="Rectangle 24"/>
           <p:cNvSpPr/>
           <p:nvPr/>
         </p:nvSpPr>
         <p:spPr>
           <a:xfrm>
-            <a:off x="1439652" y="1497821"/>
+            <a:off x="2987824" y="2964174"/>
             <a:ext cx="1347470" cy="866140"/>
           </a:xfrm>
           <a:prstGeom prst="rect">
@@ -4063,6 +4926,214 @@
               </a:spcAft>
             </a:pPr>
             <a:r>
+              <a:rPr lang="fr-FR" sz="1100" dirty="0" err="1" smtClean="0">
+                <a:effectLst/>
+                <a:ea typeface="Calibri"/>
+                <a:cs typeface="Times New Roman"/>
+              </a:rPr>
+              <a:t>Delivery</a:t>
+            </a:r>
+            <a:r>
+              <a:rPr lang="fr-FR" sz="1100" dirty="0" smtClean="0">
+                <a:effectLst/>
+                <a:ea typeface="Calibri"/>
+                <a:cs typeface="Times New Roman"/>
+              </a:rPr>
+              <a:t> Dispatcher to one</a:t>
+            </a:r>
+            <a:endParaRPr lang="fr-FR" sz="1100" dirty="0">
+              <a:effectLst/>
+              <a:ea typeface="Calibri"/>
+              <a:cs typeface="Times New Roman"/>
+            </a:endParaRPr>
+          </a:p>
+        </p:txBody>
+      </p:sp>
+      <p:sp>
+        <p:nvSpPr>
+          <p:cNvPr id="26" name="Rectangle 25"/>
+          <p:cNvSpPr/>
+          <p:nvPr/>
+        </p:nvSpPr>
+        <p:spPr>
+          <a:xfrm>
+            <a:off x="5976156" y="2780928"/>
+            <a:ext cx="1347470" cy="866140"/>
+          </a:xfrm>
+          <a:prstGeom prst="rect">
+            <a:avLst/>
+          </a:prstGeom>
+          <a:solidFill>
+            <a:schemeClr val="tx1">
+              <a:lumMod val="65000"/>
+              <a:lumOff val="35000"/>
+            </a:schemeClr>
+          </a:solidFill>
+        </p:spPr>
+        <p:style>
+          <a:lnRef idx="2">
+            <a:schemeClr val="accent1">
+              <a:shade val="50000"/>
+            </a:schemeClr>
+          </a:lnRef>
+          <a:fillRef idx="1">
+            <a:schemeClr val="accent1"/>
+          </a:fillRef>
+          <a:effectRef idx="0">
+            <a:schemeClr val="accent1"/>
+          </a:effectRef>
+          <a:fontRef idx="minor">
+            <a:schemeClr val="lt1"/>
+          </a:fontRef>
+        </p:style>
+        <p:txBody>
+          <a:bodyPr rot="0" spcFirstLastPara="0" vert="horz" wrap="square" lIns="91440" tIns="45720" rIns="91440" bIns="45720" numCol="1" spcCol="0" rtlCol="0" fromWordArt="0" anchor="ctr" anchorCtr="0" forceAA="0" compatLnSpc="1">
+            <a:prstTxWarp prst="textNoShape">
+              <a:avLst/>
+            </a:prstTxWarp>
+            <a:noAutofit/>
+          </a:bodyPr>
+          <a:lstStyle/>
+          <a:p>
+            <a:pPr algn="ctr">
+              <a:lnSpc>
+                <a:spcPct val="115000"/>
+              </a:lnSpc>
+              <a:spcAft>
+                <a:spcPts val="1000"/>
+              </a:spcAft>
+            </a:pPr>
+            <a:r>
+              <a:rPr lang="fr-FR" sz="1100" dirty="0" err="1">
+                <a:ea typeface="Calibri"/>
+                <a:cs typeface="Times New Roman"/>
+              </a:rPr>
+              <a:t>Ship</a:t>
+            </a:r>
+            <a:endParaRPr lang="fr-FR" sz="1100" dirty="0">
+              <a:ea typeface="Calibri"/>
+              <a:cs typeface="Times New Roman"/>
+            </a:endParaRPr>
+          </a:p>
+        </p:txBody>
+      </p:sp>
+      <p:sp>
+        <p:nvSpPr>
+          <p:cNvPr id="28" name="Rectangle 27"/>
+          <p:cNvSpPr/>
+          <p:nvPr/>
+        </p:nvSpPr>
+        <p:spPr>
+          <a:xfrm>
+            <a:off x="5976156" y="3933056"/>
+            <a:ext cx="1347470" cy="866140"/>
+          </a:xfrm>
+          <a:prstGeom prst="rect">
+            <a:avLst/>
+          </a:prstGeom>
+          <a:solidFill>
+            <a:schemeClr val="tx1">
+              <a:lumMod val="65000"/>
+              <a:lumOff val="35000"/>
+            </a:schemeClr>
+          </a:solidFill>
+        </p:spPr>
+        <p:style>
+          <a:lnRef idx="2">
+            <a:schemeClr val="accent1">
+              <a:shade val="50000"/>
+            </a:schemeClr>
+          </a:lnRef>
+          <a:fillRef idx="1">
+            <a:schemeClr val="accent1"/>
+          </a:fillRef>
+          <a:effectRef idx="0">
+            <a:schemeClr val="accent1"/>
+          </a:effectRef>
+          <a:fontRef idx="minor">
+            <a:schemeClr val="lt1"/>
+          </a:fontRef>
+        </p:style>
+        <p:txBody>
+          <a:bodyPr rot="0" spcFirstLastPara="0" vert="horz" wrap="square" lIns="91440" tIns="45720" rIns="91440" bIns="45720" numCol="1" spcCol="0" rtlCol="0" fromWordArt="0" anchor="ctr" anchorCtr="0" forceAA="0" compatLnSpc="1">
+            <a:prstTxWarp prst="textNoShape">
+              <a:avLst/>
+            </a:prstTxWarp>
+            <a:noAutofit/>
+          </a:bodyPr>
+          <a:lstStyle/>
+          <a:p>
+            <a:pPr algn="ctr">
+              <a:lnSpc>
+                <a:spcPct val="115000"/>
+              </a:lnSpc>
+              <a:spcAft>
+                <a:spcPts val="1000"/>
+              </a:spcAft>
+            </a:pPr>
+            <a:r>
+              <a:rPr lang="fr-FR" sz="1100" dirty="0">
+                <a:ea typeface="Calibri"/>
+                <a:cs typeface="Times New Roman"/>
+              </a:rPr>
+              <a:t>Truck</a:t>
+            </a:r>
+            <a:endParaRPr lang="fr-FR" sz="1100" dirty="0">
+              <a:ea typeface="Calibri"/>
+              <a:cs typeface="Times New Roman"/>
+            </a:endParaRPr>
+          </a:p>
+        </p:txBody>
+      </p:sp>
+      <p:sp>
+        <p:nvSpPr>
+          <p:cNvPr id="32" name="Rectangle 31"/>
+          <p:cNvSpPr/>
+          <p:nvPr/>
+        </p:nvSpPr>
+        <p:spPr>
+          <a:xfrm>
+            <a:off x="1043608" y="3015545"/>
+            <a:ext cx="1347470" cy="866140"/>
+          </a:xfrm>
+          <a:prstGeom prst="rect">
+            <a:avLst/>
+          </a:prstGeom>
+        </p:spPr>
+        <p:style>
+          <a:lnRef idx="2">
+            <a:schemeClr val="accent1">
+              <a:shade val="50000"/>
+            </a:schemeClr>
+          </a:lnRef>
+          <a:fillRef idx="1">
+            <a:schemeClr val="accent1"/>
+          </a:fillRef>
+          <a:effectRef idx="0">
+            <a:schemeClr val="accent1"/>
+          </a:effectRef>
+          <a:fontRef idx="minor">
+            <a:schemeClr val="lt1"/>
+          </a:fontRef>
+        </p:style>
+        <p:txBody>
+          <a:bodyPr rot="0" spcFirstLastPara="0" vert="horz" wrap="square" lIns="91440" tIns="45720" rIns="91440" bIns="45720" numCol="1" spcCol="0" rtlCol="0" fromWordArt="0" anchor="ctr" anchorCtr="0" forceAA="0" compatLnSpc="1">
+            <a:prstTxWarp prst="textNoShape">
+              <a:avLst/>
+            </a:prstTxWarp>
+            <a:noAutofit/>
+          </a:bodyPr>
+          <a:lstStyle/>
+          <a:p>
+            <a:pPr algn="ctr">
+              <a:lnSpc>
+                <a:spcPct val="115000"/>
+              </a:lnSpc>
+              <a:spcAft>
+                <a:spcPts val="1000"/>
+              </a:spcAft>
+            </a:pPr>
+            <a:r>
               <a:rPr lang="fr-FR" sz="1100" dirty="0">
                 <a:effectLst/>
                 <a:ea typeface="Calibri"/>
@@ -4075,17 +5146,17 @@
       </p:sp>
       <p:cxnSp>
         <p:nvCxnSpPr>
-          <p:cNvPr id="22" name="Connecteur droit avec flèche 21"/>
+          <p:cNvPr id="33" name="Connecteur droit avec flèche 32"/>
           <p:cNvCxnSpPr>
-            <a:stCxn id="21" idx="3"/>
-            <a:endCxn id="4" idx="1"/>
+            <a:stCxn id="32" idx="3"/>
+            <a:endCxn id="25" idx="1"/>
           </p:cNvCxnSpPr>
           <p:nvPr/>
         </p:nvCxnSpPr>
         <p:spPr>
           <a:xfrm flipV="1">
-            <a:off x="2787122" y="1916270"/>
-            <a:ext cx="740762" cy="14621"/>
+            <a:off x="2391078" y="3397244"/>
+            <a:ext cx="596746" cy="51371"/>
           </a:xfrm>
           <a:prstGeom prst="straightConnector1">
             <a:avLst/>
@@ -4114,18 +5185,188 @@
       </p:cxnSp>
       <p:sp>
         <p:nvSpPr>
-          <p:cNvPr id="25" name="Rectangle 24"/>
-          <p:cNvSpPr/>
+          <p:cNvPr id="19" name="Rectangle 1"/>
+          <p:cNvSpPr>
+            <a:spLocks noChangeArrowheads="1"/>
+          </p:cNvSpPr>
           <p:nvPr/>
         </p:nvSpPr>
-        <p:spPr>
+        <p:spPr bwMode="auto">
           <a:xfrm>
-            <a:off x="3527884" y="4266636"/>
-            <a:ext cx="1347470" cy="866140"/>
+            <a:off x="398431" y="647110"/>
+            <a:ext cx="8347157" cy="523220"/>
           </a:xfrm>
           <a:prstGeom prst="rect">
             <a:avLst/>
           </a:prstGeom>
+          <a:solidFill>
+            <a:srgbClr val="2B2B2B"/>
+          </a:solidFill>
+          <a:ln>
+            <a:noFill/>
+          </a:ln>
+          <a:effectLst/>
+          <a:extLst>
+            <a:ext uri="{91240B29-F687-4F45-9708-019B960494DF}">
+              <a14:hiddenLine xmlns:a14="http://schemas.microsoft.com/office/drawing/2010/main" w="9525">
+                <a:solidFill>
+                  <a:schemeClr val="tx1"/>
+                </a:solidFill>
+                <a:miter lim="800000"/>
+                <a:headEnd/>
+                <a:tailEnd/>
+              </a14:hiddenLine>
+            </a:ext>
+            <a:ext uri="{AF507438-7753-43E0-B8FC-AC1667EBCBE1}">
+              <a14:hiddenEffects xmlns:a14="http://schemas.microsoft.com/office/drawing/2010/main">
+                <a:effectLst>
+                  <a:outerShdw dist="35921" dir="2700000" algn="ctr" rotWithShape="0">
+                    <a:schemeClr val="bg2"/>
+                  </a:outerShdw>
+                </a:effectLst>
+              </a14:hiddenEffects>
+            </a:ext>
+          </a:extLst>
+        </p:spPr>
+        <p:txBody>
+          <a:bodyPr vert="horz" wrap="none" lIns="91440" tIns="45720" rIns="91440" bIns="45720" numCol="1" anchor="ctr" anchorCtr="0" compatLnSpc="1">
+            <a:prstTxWarp prst="textNoShape">
+              <a:avLst/>
+            </a:prstTxWarp>
+            <a:spAutoFit/>
+          </a:bodyPr>
+          <a:lstStyle/>
+          <a:p>
+            <a:pPr marL="0" marR="0" lvl="0" indent="0" algn="ctr" defTabSz="914400" rtl="0" eaLnBrk="1" fontAlgn="base" latinLnBrk="0" hangingPunct="1">
+              <a:lnSpc>
+                <a:spcPct val="100000"/>
+              </a:lnSpc>
+              <a:spcBef>
+                <a:spcPct val="0"/>
+              </a:spcBef>
+              <a:spcAft>
+                <a:spcPct val="0"/>
+              </a:spcAft>
+              <a:buClrTx/>
+              <a:buSzTx/>
+              <a:buFontTx/>
+              <a:buNone/>
+              <a:tabLst/>
+            </a:pPr>
+            <a:r>
+              <a:rPr lang="fr-FR" sz="2800" b="1" dirty="0" err="1" smtClean="0">
+                <a:solidFill>
+                  <a:srgbClr val="A9B7C6"/>
+                </a:solidFill>
+                <a:latin typeface="Courier New" pitchFamily="49" charset="0"/>
+                <a:cs typeface="Courier New" pitchFamily="49" charset="0"/>
+              </a:rPr>
+              <a:t>Dispatch</a:t>
+            </a:r>
+            <a:r>
+              <a:rPr lang="fr-FR" sz="2800" b="1" dirty="0">
+                <a:solidFill>
+                  <a:srgbClr val="A9B7C6"/>
+                </a:solidFill>
+                <a:latin typeface="Courier New" pitchFamily="49" charset="0"/>
+                <a:cs typeface="Courier New" pitchFamily="49" charset="0"/>
+              </a:rPr>
+              <a:t> </a:t>
+            </a:r>
+            <a:r>
+              <a:rPr lang="fr-FR" sz="2800" b="1" dirty="0" smtClean="0">
+                <a:solidFill>
+                  <a:srgbClr val="A9B7C6"/>
+                </a:solidFill>
+                <a:latin typeface="Courier New" pitchFamily="49" charset="0"/>
+                <a:cs typeface="Courier New" pitchFamily="49" charset="0"/>
+              </a:rPr>
+              <a:t>to one </a:t>
+            </a:r>
+            <a:r>
+              <a:rPr lang="fr-FR" sz="2800" b="1" dirty="0" err="1">
+                <a:solidFill>
+                  <a:srgbClr val="A9B7C6"/>
+                </a:solidFill>
+                <a:latin typeface="Courier New" pitchFamily="49" charset="0"/>
+                <a:cs typeface="Courier New" pitchFamily="49" charset="0"/>
+              </a:rPr>
+              <a:t>D</a:t>
+            </a:r>
+            <a:r>
+              <a:rPr lang="fr-FR" sz="2800" b="1" dirty="0" err="1" smtClean="0">
+                <a:solidFill>
+                  <a:srgbClr val="A9B7C6"/>
+                </a:solidFill>
+                <a:latin typeface="Courier New" pitchFamily="49" charset="0"/>
+                <a:cs typeface="Courier New" pitchFamily="49" charset="0"/>
+              </a:rPr>
+              <a:t>elivery</a:t>
+            </a:r>
+            <a:r>
+              <a:rPr lang="fr-FR" sz="2800" b="1" dirty="0" smtClean="0">
+                <a:solidFill>
+                  <a:srgbClr val="A9B7C6"/>
+                </a:solidFill>
+                <a:latin typeface="Courier New" pitchFamily="49" charset="0"/>
+                <a:cs typeface="Courier New" pitchFamily="49" charset="0"/>
+              </a:rPr>
+              <a:t> type </a:t>
+            </a:r>
+            <a:r>
+              <a:rPr lang="fr-FR" sz="2800" b="1" dirty="0" err="1" smtClean="0">
+                <a:solidFill>
+                  <a:srgbClr val="A9B7C6"/>
+                </a:solidFill>
+                <a:latin typeface="Courier New" pitchFamily="49" charset="0"/>
+                <a:cs typeface="Courier New" pitchFamily="49" charset="0"/>
+              </a:rPr>
+              <a:t>at</a:t>
+            </a:r>
+            <a:r>
+              <a:rPr lang="fr-FR" sz="2800" b="1" dirty="0" smtClean="0">
+                <a:solidFill>
+                  <a:srgbClr val="A9B7C6"/>
+                </a:solidFill>
+                <a:latin typeface="Courier New" pitchFamily="49" charset="0"/>
+                <a:cs typeface="Courier New" pitchFamily="49" charset="0"/>
+              </a:rPr>
+              <a:t> time </a:t>
+            </a:r>
+            <a:endParaRPr kumimoji="0" lang="fr-FR" sz="2800" b="1" i="0" u="none" strike="noStrike" cap="none" normalizeH="0" baseline="0" dirty="0" smtClean="0">
+              <a:ln>
+                <a:noFill/>
+              </a:ln>
+              <a:solidFill>
+                <a:schemeClr val="tx1"/>
+              </a:solidFill>
+              <a:effectLst/>
+              <a:latin typeface="Arial" pitchFamily="34" charset="0"/>
+              <a:cs typeface="Arial" pitchFamily="34" charset="0"/>
+            </a:endParaRPr>
+          </a:p>
+        </p:txBody>
+      </p:sp>
+      <p:sp>
+        <p:nvSpPr>
+          <p:cNvPr id="20" name="Rectangle 19"/>
+          <p:cNvSpPr/>
+          <p:nvPr/>
+        </p:nvSpPr>
+        <p:spPr>
+          <a:xfrm>
+            <a:off x="5976156" y="1484784"/>
+            <a:ext cx="1347470" cy="866140"/>
+          </a:xfrm>
+          <a:prstGeom prst="rect">
+            <a:avLst/>
+          </a:prstGeom>
+          <a:solidFill>
+            <a:schemeClr val="tx1">
+              <a:lumMod val="65000"/>
+              <a:lumOff val="35000"/>
+            </a:schemeClr>
+          </a:solidFill>
         </p:spPr>
         <p:style>
           <a:lnRef idx="2">
@@ -4161,23 +5402,13 @@
               </a:spcAft>
             </a:pPr>
             <a:r>
-              <a:rPr lang="fr-FR" sz="1100" dirty="0" err="1" smtClean="0">
-                <a:effectLst/>
+              <a:rPr lang="fr-FR" sz="1100" dirty="0">
                 <a:ea typeface="Calibri"/>
                 <a:cs typeface="Times New Roman"/>
               </a:rPr>
-              <a:t>Delivery</a:t>
-            </a:r>
-            <a:r>
-              <a:rPr lang="fr-FR" sz="1100" dirty="0" smtClean="0">
-                <a:effectLst/>
-                <a:ea typeface="Calibri"/>
-                <a:cs typeface="Times New Roman"/>
-              </a:rPr>
-              <a:t> Dispatcher to one</a:t>
+              <a:t>Train</a:t>
             </a:r>
             <a:endParaRPr lang="fr-FR" sz="1100" dirty="0">
-              <a:effectLst/>
               <a:ea typeface="Calibri"/>
               <a:cs typeface="Times New Roman"/>
             </a:endParaRPr>
@@ -4186,152 +5417,59 @@
       </p:sp>
       <p:sp>
         <p:nvSpPr>
-          <p:cNvPr id="26" name="Rectangle 25"/>
+          <p:cNvPr id="34" name="Rectangle 33"/>
           <p:cNvSpPr/>
           <p:nvPr/>
         </p:nvSpPr>
         <p:spPr>
-          <a:xfrm>
-            <a:off x="6372200" y="3542148"/>
-            <a:ext cx="1347470" cy="866140"/>
+          <a:xfrm rot="18934450">
+            <a:off x="4543112" y="2370678"/>
+            <a:ext cx="1013611" cy="369332"/>
           </a:xfrm>
           <a:prstGeom prst="rect">
             <a:avLst/>
           </a:prstGeom>
         </p:spPr>
-        <p:style>
-          <a:lnRef idx="2">
-            <a:schemeClr val="accent1">
-              <a:shade val="50000"/>
-            </a:schemeClr>
-          </a:lnRef>
-          <a:fillRef idx="1">
-            <a:schemeClr val="accent1"/>
-          </a:fillRef>
-          <a:effectRef idx="0">
-            <a:schemeClr val="accent1"/>
-          </a:effectRef>
-          <a:fontRef idx="minor">
-            <a:schemeClr val="lt1"/>
-          </a:fontRef>
-        </p:style>
-        <p:txBody>
-          <a:bodyPr rot="0" spcFirstLastPara="0" vert="horz" wrap="square" lIns="91440" tIns="45720" rIns="91440" bIns="45720" numCol="1" spcCol="0" rtlCol="0" fromWordArt="0" anchor="ctr" anchorCtr="0" forceAA="0" compatLnSpc="1">
-            <a:prstTxWarp prst="textNoShape">
-              <a:avLst/>
-            </a:prstTxWarp>
-            <a:noAutofit/>
+        <p:txBody>
+          <a:bodyPr wrap="none">
+            <a:spAutoFit/>
           </a:bodyPr>
           <a:lstStyle/>
           <a:p>
-            <a:pPr algn="ctr">
-              <a:lnSpc>
-                <a:spcPct val="115000"/>
-              </a:lnSpc>
-              <a:spcAft>
-                <a:spcPts val="1000"/>
-              </a:spcAft>
-            </a:pPr>
-            <a:r>
-              <a:rPr lang="fr-FR" sz="1100" dirty="0" err="1" smtClean="0">
-                <a:ea typeface="Calibri"/>
-                <a:cs typeface="Times New Roman"/>
-              </a:rPr>
-              <a:t>Ship</a:t>
-            </a:r>
-            <a:endParaRPr lang="fr-FR" sz="1100" dirty="0">
-              <a:effectLst/>
-              <a:ea typeface="Calibri"/>
-              <a:cs typeface="Times New Roman"/>
-            </a:endParaRPr>
-          </a:p>
-        </p:txBody>
-      </p:sp>
-      <p:sp>
-        <p:nvSpPr>
-          <p:cNvPr id="28" name="Rectangle 27"/>
-          <p:cNvSpPr/>
-          <p:nvPr/>
-        </p:nvSpPr>
-        <p:spPr>
-          <a:xfrm>
-            <a:off x="6372200" y="4959421"/>
-            <a:ext cx="1347470" cy="866140"/>
-          </a:xfrm>
-          <a:prstGeom prst="rect">
-            <a:avLst/>
-          </a:prstGeom>
-        </p:spPr>
-        <p:style>
-          <a:lnRef idx="2">
-            <a:schemeClr val="accent1">
-              <a:shade val="50000"/>
-            </a:schemeClr>
-          </a:lnRef>
-          <a:fillRef idx="1">
-            <a:schemeClr val="accent1"/>
-          </a:fillRef>
-          <a:effectRef idx="0">
-            <a:schemeClr val="accent1"/>
-          </a:effectRef>
-          <a:fontRef idx="minor">
-            <a:schemeClr val="lt1"/>
-          </a:fontRef>
-        </p:style>
-        <p:txBody>
-          <a:bodyPr rot="0" spcFirstLastPara="0" vert="horz" wrap="square" lIns="91440" tIns="45720" rIns="91440" bIns="45720" numCol="1" spcCol="0" rtlCol="0" fromWordArt="0" anchor="ctr" anchorCtr="0" forceAA="0" compatLnSpc="1">
-            <a:prstTxWarp prst="textNoShape">
-              <a:avLst/>
-            </a:prstTxWarp>
-            <a:noAutofit/>
-          </a:bodyPr>
-          <a:lstStyle/>
-          <a:p>
-            <a:pPr algn="ctr">
-              <a:lnSpc>
-                <a:spcPct val="115000"/>
-              </a:lnSpc>
-              <a:spcAft>
-                <a:spcPts val="1000"/>
-              </a:spcAft>
-            </a:pPr>
-            <a:r>
-              <a:rPr lang="fr-FR" sz="1100" dirty="0" smtClean="0">
-                <a:effectLst/>
-                <a:ea typeface="Calibri"/>
-                <a:cs typeface="Times New Roman"/>
-              </a:rPr>
-              <a:t>Truck</a:t>
-            </a:r>
-            <a:endParaRPr lang="fr-FR" sz="1100" dirty="0">
-              <a:effectLst/>
-              <a:ea typeface="Calibri"/>
-              <a:cs typeface="Times New Roman"/>
-            </a:endParaRPr>
+            <a:pPr algn="just"/>
+            <a:r>
+              <a:rPr lang="fr-FR" dirty="0" smtClean="0"/>
+              <a:t>Thread 1</a:t>
+            </a:r>
+            <a:endParaRPr lang="fr-FR" dirty="0"/>
           </a:p>
         </p:txBody>
       </p:sp>
       <p:cxnSp>
         <p:nvCxnSpPr>
-          <p:cNvPr id="29" name="Connecteur droit avec flèche 28"/>
+          <p:cNvPr id="35" name="Connecteur droit avec flèche 34"/>
           <p:cNvCxnSpPr>
             <a:stCxn id="25" idx="3"/>
-            <a:endCxn id="28" idx="1"/>
+            <a:endCxn id="20" idx="1"/>
           </p:cNvCxnSpPr>
           <p:nvPr/>
         </p:nvCxnSpPr>
         <p:spPr>
-          <a:xfrm>
-            <a:off x="4875354" y="4699706"/>
-            <a:ext cx="1496846" cy="692785"/>
+          <a:xfrm flipV="1">
+            <a:off x="4335294" y="1917854"/>
+            <a:ext cx="1640862" cy="1479390"/>
           </a:xfrm>
           <a:prstGeom prst="straightConnector1">
             <a:avLst/>
           </a:prstGeom>
-          <a:ln w="38100">
+          <a:ln w="28575">
             <a:solidFill>
-              <a:schemeClr val="tx1"/>
+              <a:schemeClr val="accent2">
+                <a:lumMod val="60000"/>
+                <a:lumOff val="40000"/>
+              </a:schemeClr>
             </a:solidFill>
+            <a:prstDash val="sysDash"/>
             <a:tailEnd type="arrow"/>
           </a:ln>
         </p:spPr>
@@ -4352,7 +5490,7 @@
       </p:cxnSp>
       <p:cxnSp>
         <p:nvCxnSpPr>
-          <p:cNvPr id="30" name="Connecteur droit avec flèche 29"/>
+          <p:cNvPr id="36" name="Connecteur droit avec flèche 35"/>
           <p:cNvCxnSpPr>
             <a:stCxn id="25" idx="3"/>
             <a:endCxn id="26" idx="1"/>
@@ -4361,114 +5499,20 @@
         </p:nvCxnSpPr>
         <p:spPr>
           <a:xfrm flipV="1">
-            <a:off x="4875354" y="3975218"/>
-            <a:ext cx="1496846" cy="724488"/>
+            <a:off x="4335294" y="3213998"/>
+            <a:ext cx="1640862" cy="183246"/>
           </a:xfrm>
           <a:prstGeom prst="straightConnector1">
             <a:avLst/>
           </a:prstGeom>
-          <a:ln w="38100">
+          <a:ln w="28575">
             <a:solidFill>
-              <a:schemeClr val="tx1"/>
+              <a:schemeClr val="accent2">
+                <a:lumMod val="60000"/>
+                <a:lumOff val="40000"/>
+              </a:schemeClr>
             </a:solidFill>
-            <a:tailEnd type="arrow"/>
-          </a:ln>
-        </p:spPr>
-        <p:style>
-          <a:lnRef idx="1">
-            <a:schemeClr val="accent1"/>
-          </a:lnRef>
-          <a:fillRef idx="0">
-            <a:schemeClr val="accent1"/>
-          </a:fillRef>
-          <a:effectRef idx="0">
-            <a:schemeClr val="accent1"/>
-          </a:effectRef>
-          <a:fontRef idx="minor">
-            <a:schemeClr val="tx1"/>
-          </a:fontRef>
-        </p:style>
-      </p:cxnSp>
-      <p:sp>
-        <p:nvSpPr>
-          <p:cNvPr id="32" name="Rectangle 31"/>
-          <p:cNvSpPr/>
-          <p:nvPr/>
-        </p:nvSpPr>
-        <p:spPr>
-          <a:xfrm>
-            <a:off x="1439652" y="4281257"/>
-            <a:ext cx="1347470" cy="866140"/>
-          </a:xfrm>
-          <a:prstGeom prst="rect">
-            <a:avLst/>
-          </a:prstGeom>
-        </p:spPr>
-        <p:style>
-          <a:lnRef idx="2">
-            <a:schemeClr val="accent1">
-              <a:shade val="50000"/>
-            </a:schemeClr>
-          </a:lnRef>
-          <a:fillRef idx="1">
-            <a:schemeClr val="accent1"/>
-          </a:fillRef>
-          <a:effectRef idx="0">
-            <a:schemeClr val="accent1"/>
-          </a:effectRef>
-          <a:fontRef idx="minor">
-            <a:schemeClr val="lt1"/>
-          </a:fontRef>
-        </p:style>
-        <p:txBody>
-          <a:bodyPr rot="0" spcFirstLastPara="0" vert="horz" wrap="square" lIns="91440" tIns="45720" rIns="91440" bIns="45720" numCol="1" spcCol="0" rtlCol="0" fromWordArt="0" anchor="ctr" anchorCtr="0" forceAA="0" compatLnSpc="1">
-            <a:prstTxWarp prst="textNoShape">
-              <a:avLst/>
-            </a:prstTxWarp>
-            <a:noAutofit/>
-          </a:bodyPr>
-          <a:lstStyle/>
-          <a:p>
-            <a:pPr algn="ctr">
-              <a:lnSpc>
-                <a:spcPct val="115000"/>
-              </a:lnSpc>
-              <a:spcAft>
-                <a:spcPts val="1000"/>
-              </a:spcAft>
-            </a:pPr>
-            <a:r>
-              <a:rPr lang="fr-FR" sz="1100" dirty="0">
-                <a:effectLst/>
-                <a:ea typeface="Calibri"/>
-                <a:cs typeface="Times New Roman"/>
-              </a:rPr>
-              <a:t>New Car</a:t>
-            </a:r>
-          </a:p>
-        </p:txBody>
-      </p:sp>
-      <p:cxnSp>
-        <p:nvCxnSpPr>
-          <p:cNvPr id="33" name="Connecteur droit avec flèche 32"/>
-          <p:cNvCxnSpPr>
-            <a:stCxn id="32" idx="3"/>
-            <a:endCxn id="25" idx="1"/>
-          </p:cNvCxnSpPr>
-          <p:nvPr/>
-        </p:nvCxnSpPr>
-        <p:spPr>
-          <a:xfrm flipV="1">
-            <a:off x="2787122" y="4699706"/>
-            <a:ext cx="740762" cy="14621"/>
-          </a:xfrm>
-          <a:prstGeom prst="straightConnector1">
-            <a:avLst/>
-          </a:prstGeom>
-          <a:ln w="38100">
-            <a:solidFill>
-              <a:schemeClr val="tx1"/>
-            </a:solidFill>
+            <a:prstDash val="sysDash"/>
             <a:tailEnd type="arrow"/>
           </a:ln>
         </p:spPr>
@@ -4489,19 +5533,31 @@
       </p:cxnSp>
       <p:cxnSp>
         <p:nvCxnSpPr>
-          <p:cNvPr id="40" name="Connecteur droit 39"/>
-          <p:cNvCxnSpPr/>
+          <p:cNvPr id="39" name="Connecteur droit avec flèche 38"/>
+          <p:cNvCxnSpPr>
+            <a:stCxn id="25" idx="3"/>
+            <a:endCxn id="28" idx="1"/>
+          </p:cNvCxnSpPr>
           <p:nvPr/>
         </p:nvCxnSpPr>
         <p:spPr>
           <a:xfrm>
-            <a:off x="539552" y="3140968"/>
-            <a:ext cx="7992888" cy="0"/>
-          </a:xfrm>
-          <a:prstGeom prst="line">
+            <a:off x="4335294" y="3397244"/>
+            <a:ext cx="1640862" cy="968882"/>
+          </a:xfrm>
+          <a:prstGeom prst="straightConnector1">
             <a:avLst/>
           </a:prstGeom>
-          <a:ln w="69850"/>
+          <a:ln w="28575">
+            <a:solidFill>
+              <a:schemeClr val="accent2">
+                <a:lumMod val="60000"/>
+                <a:lumOff val="40000"/>
+              </a:schemeClr>
+            </a:solidFill>
+            <a:prstDash val="sysDash"/>
+            <a:tailEnd type="arrow"/>
+          </a:ln>
         </p:spPr>
         <p:style>
           <a:lnRef idx="1">
@@ -4518,6 +5574,66 @@
           </a:fontRef>
         </p:style>
       </p:cxnSp>
+      <p:sp>
+        <p:nvSpPr>
+          <p:cNvPr id="42" name="Rectangle 41"/>
+          <p:cNvSpPr/>
+          <p:nvPr/>
+        </p:nvSpPr>
+        <p:spPr>
+          <a:xfrm rot="20850949">
+            <a:off x="4695512" y="2982935"/>
+            <a:ext cx="1013611" cy="369332"/>
+          </a:xfrm>
+          <a:prstGeom prst="rect">
+            <a:avLst/>
+          </a:prstGeom>
+        </p:spPr>
+        <p:txBody>
+          <a:bodyPr wrap="none">
+            <a:spAutoFit/>
+          </a:bodyPr>
+          <a:lstStyle/>
+          <a:p>
+            <a:pPr algn="just"/>
+            <a:r>
+              <a:rPr lang="fr-FR" dirty="0" smtClean="0"/>
+              <a:t>Thread 2</a:t>
+            </a:r>
+            <a:endParaRPr lang="fr-FR" dirty="0"/>
+          </a:p>
+        </p:txBody>
+      </p:sp>
+      <p:sp>
+        <p:nvSpPr>
+          <p:cNvPr id="43" name="Rectangle 42"/>
+          <p:cNvSpPr/>
+          <p:nvPr/>
+        </p:nvSpPr>
+        <p:spPr>
+          <a:xfrm rot="2166596">
+            <a:off x="4771058" y="3590597"/>
+            <a:ext cx="1013611" cy="369332"/>
+          </a:xfrm>
+          <a:prstGeom prst="rect">
+            <a:avLst/>
+          </a:prstGeom>
+        </p:spPr>
+        <p:txBody>
+          <a:bodyPr wrap="none">
+            <a:spAutoFit/>
+          </a:bodyPr>
+          <a:lstStyle/>
+          <a:p>
+            <a:pPr algn="just"/>
+            <a:r>
+              <a:rPr lang="fr-FR" dirty="0" smtClean="0"/>
+              <a:t>Thread 2</a:t>
+            </a:r>
+            <a:endParaRPr lang="fr-FR" dirty="0"/>
+          </a:p>
+        </p:txBody>
+      </p:sp>
     </p:spTree>
     <p:extLst>
       <p:ext uri="{BB962C8B-B14F-4D97-AF65-F5344CB8AC3E}">
@@ -4531,7 +5647,7 @@
 </p:sld>
 </file>
 
-<file path=ppt/slides/slide3.xml><?xml version="1.0" encoding="utf-8"?>
+<file path=ppt/slides/slide4.xml><?xml version="1.0" encoding="utf-8"?>
 <p:sld xmlns:a="http://schemas.openxmlformats.org/drawingml/2006/main" xmlns:r="http://schemas.openxmlformats.org/officeDocument/2006/relationships" xmlns:p="http://schemas.openxmlformats.org/presentationml/2006/main">
   <p:cSld>
     <p:spTree>

--- a/Présentation1.pptx
+++ b/Présentation1.pptx
@@ -3147,7 +3147,7 @@
               </a:spcAft>
             </a:pPr>
             <a:r>
-              <a:rPr lang="fr-FR" sz="1100">
+              <a:rPr lang="fr-FR" sz="1100" dirty="0">
                 <a:effectLst/>
                 <a:ea typeface="Calibri"/>
                 <a:cs typeface="Times New Roman"/>
@@ -3334,11 +3334,18 @@
               </a:spcAft>
             </a:pPr>
             <a:r>
-              <a:rPr lang="fr-FR" sz="1100">
+              <a:rPr lang="fr-FR" sz="1100" dirty="0" err="1">
                 <a:ea typeface="Calibri"/>
                 <a:cs typeface="Times New Roman"/>
               </a:rPr>
-              <a:t>Print Car</a:t>
+              <a:t>Print</a:t>
+            </a:r>
+            <a:r>
+              <a:rPr lang="fr-FR" sz="1100" dirty="0">
+                <a:ea typeface="Calibri"/>
+                <a:cs typeface="Times New Roman"/>
+              </a:rPr>
+              <a:t> Car</a:t>
             </a:r>
           </a:p>
         </p:txBody>
@@ -3533,8 +3540,8 @@
         </p:nvSpPr>
         <p:spPr bwMode="auto">
           <a:xfrm>
-            <a:off x="2116847" y="647110"/>
-            <a:ext cx="4910320" cy="523220"/>
+            <a:off x="828037" y="647110"/>
+            <a:ext cx="7487948" cy="523220"/>
           </a:xfrm>
           <a:prstGeom prst="rect">
             <a:avLst/>
@@ -3577,21 +3584,13 @@
           </a:bodyPr>
           <a:lstStyle/>
           <a:p>
-            <a:pPr marL="0" marR="0" lvl="0" indent="0" algn="ctr" defTabSz="914400" rtl="0" eaLnBrk="1" fontAlgn="base" latinLnBrk="0" hangingPunct="1">
-              <a:lnSpc>
-                <a:spcPct val="100000"/>
-              </a:lnSpc>
+            <a:pPr lvl="0" algn="ctr" fontAlgn="base">
               <a:spcBef>
                 <a:spcPct val="0"/>
               </a:spcBef>
               <a:spcAft>
                 <a:spcPct val="0"/>
               </a:spcAft>
-              <a:buClrTx/>
-              <a:buSzTx/>
-              <a:buFontTx/>
-              <a:buNone/>
-              <a:tabLst/>
             </a:pPr>
             <a:r>
               <a:rPr lang="fr-FR" sz="2800" b="1" dirty="0" err="1" smtClean="0">
@@ -3601,7 +3600,7 @@
                 <a:latin typeface="Courier New" pitchFamily="49" charset="0"/>
                 <a:cs typeface="Courier New" pitchFamily="49" charset="0"/>
               </a:rPr>
-              <a:t>Step</a:t>
+              <a:t>Ordered</a:t>
             </a:r>
             <a:r>
               <a:rPr lang="fr-FR" sz="2800" b="1" dirty="0" smtClean="0">
@@ -3611,7 +3610,7 @@
                 <a:latin typeface="Courier New" pitchFamily="49" charset="0"/>
                 <a:cs typeface="Courier New" pitchFamily="49" charset="0"/>
               </a:rPr>
-              <a:t> by </a:t>
+              <a:t> car </a:t>
             </a:r>
             <a:r>
               <a:rPr lang="fr-FR" sz="2800" b="1" dirty="0" err="1" smtClean="0">
@@ -3621,7 +3620,7 @@
                 <a:latin typeface="Courier New" pitchFamily="49" charset="0"/>
                 <a:cs typeface="Courier New" pitchFamily="49" charset="0"/>
               </a:rPr>
-              <a:t>Step</a:t>
+              <a:t>builder</a:t>
             </a:r>
             <a:r>
               <a:rPr lang="fr-FR" sz="2800" b="1" dirty="0" smtClean="0">
@@ -3631,27 +3630,37 @@
                 <a:latin typeface="Courier New" pitchFamily="49" charset="0"/>
                 <a:cs typeface="Courier New" pitchFamily="49" charset="0"/>
               </a:rPr>
-              <a:t> </a:t>
-            </a:r>
-            <a:r>
-              <a:rPr lang="fr-FR" sz="2800" b="1" dirty="0" err="1" smtClean="0">
+              <a:t> | </a:t>
+            </a:r>
+            <a:r>
+              <a:rPr lang="fr-FR" sz="2800" b="1" dirty="0" err="1">
                 <a:solidFill>
                   <a:srgbClr val="A9B7C6"/>
                 </a:solidFill>
                 <a:latin typeface="Courier New" pitchFamily="49" charset="0"/>
                 <a:cs typeface="Courier New" pitchFamily="49" charset="0"/>
               </a:rPr>
-              <a:t>build</a:t>
-            </a:r>
-            <a:r>
-              <a:rPr lang="fr-FR" sz="2800" b="1" dirty="0" smtClean="0">
+              <a:t>Step</a:t>
+            </a:r>
+            <a:r>
+              <a:rPr lang="fr-FR" sz="2800" b="1" dirty="0">
                 <a:solidFill>
                   <a:srgbClr val="A9B7C6"/>
                 </a:solidFill>
                 <a:latin typeface="Courier New" pitchFamily="49" charset="0"/>
                 <a:cs typeface="Courier New" pitchFamily="49" charset="0"/>
               </a:rPr>
-              <a:t> car</a:t>
+              <a:t> by </a:t>
+            </a:r>
+            <a:r>
+              <a:rPr lang="fr-FR" sz="2800" b="1" dirty="0" err="1">
+                <a:solidFill>
+                  <a:srgbClr val="A9B7C6"/>
+                </a:solidFill>
+                <a:latin typeface="Courier New" pitchFamily="49" charset="0"/>
+                <a:cs typeface="Courier New" pitchFamily="49" charset="0"/>
+              </a:rPr>
+              <a:t>Step</a:t>
             </a:r>
             <a:endParaRPr kumimoji="0" lang="fr-FR" sz="2800" b="1" i="0" u="none" strike="noStrike" cap="none" normalizeH="0" baseline="0" dirty="0" smtClean="0">
               <a:ln>

--- a/Présentation1.pptx
+++ b/Présentation1.pptx
@@ -291,7 +291,7 @@
           <a:p>
             <a:fld id="{07F10079-C70D-45EB-BBD6-D484B33FAF3C}" type="datetimeFigureOut">
               <a:rPr lang="fr-FR" smtClean="0"/>
-              <a:t>09/06/2015</a:t>
+              <a:t>10/06/15</a:t>
             </a:fld>
             <a:endParaRPr lang="fr-FR"/>
           </a:p>
@@ -333,7 +333,7 @@
           <a:p>
             <a:fld id="{5DCA61BB-0618-4380-BA59-20B884EE95D2}" type="slidenum">
               <a:rPr lang="fr-FR" smtClean="0"/>
-              <a:t>‹N°›</a:t>
+              <a:t>‹#›</a:t>
             </a:fld>
             <a:endParaRPr lang="fr-FR"/>
           </a:p>
@@ -461,7 +461,7 @@
           <a:p>
             <a:fld id="{07F10079-C70D-45EB-BBD6-D484B33FAF3C}" type="datetimeFigureOut">
               <a:rPr lang="fr-FR" smtClean="0"/>
-              <a:t>09/06/2015</a:t>
+              <a:t>10/06/15</a:t>
             </a:fld>
             <a:endParaRPr lang="fr-FR"/>
           </a:p>
@@ -503,7 +503,7 @@
           <a:p>
             <a:fld id="{5DCA61BB-0618-4380-BA59-20B884EE95D2}" type="slidenum">
               <a:rPr lang="fr-FR" smtClean="0"/>
-              <a:t>‹N°›</a:t>
+              <a:t>‹#›</a:t>
             </a:fld>
             <a:endParaRPr lang="fr-FR"/>
           </a:p>
@@ -641,7 +641,7 @@
           <a:p>
             <a:fld id="{07F10079-C70D-45EB-BBD6-D484B33FAF3C}" type="datetimeFigureOut">
               <a:rPr lang="fr-FR" smtClean="0"/>
-              <a:t>09/06/2015</a:t>
+              <a:t>10/06/15</a:t>
             </a:fld>
             <a:endParaRPr lang="fr-FR"/>
           </a:p>
@@ -683,7 +683,7 @@
           <a:p>
             <a:fld id="{5DCA61BB-0618-4380-BA59-20B884EE95D2}" type="slidenum">
               <a:rPr lang="fr-FR" smtClean="0"/>
-              <a:t>‹N°›</a:t>
+              <a:t>‹#›</a:t>
             </a:fld>
             <a:endParaRPr lang="fr-FR"/>
           </a:p>
@@ -811,7 +811,7 @@
           <a:p>
             <a:fld id="{07F10079-C70D-45EB-BBD6-D484B33FAF3C}" type="datetimeFigureOut">
               <a:rPr lang="fr-FR" smtClean="0"/>
-              <a:t>09/06/2015</a:t>
+              <a:t>10/06/15</a:t>
             </a:fld>
             <a:endParaRPr lang="fr-FR"/>
           </a:p>
@@ -853,7 +853,7 @@
           <a:p>
             <a:fld id="{5DCA61BB-0618-4380-BA59-20B884EE95D2}" type="slidenum">
               <a:rPr lang="fr-FR" smtClean="0"/>
-              <a:t>‹N°›</a:t>
+              <a:t>‹#›</a:t>
             </a:fld>
             <a:endParaRPr lang="fr-FR"/>
           </a:p>
@@ -1057,7 +1057,7 @@
           <a:p>
             <a:fld id="{07F10079-C70D-45EB-BBD6-D484B33FAF3C}" type="datetimeFigureOut">
               <a:rPr lang="fr-FR" smtClean="0"/>
-              <a:t>09/06/2015</a:t>
+              <a:t>10/06/15</a:t>
             </a:fld>
             <a:endParaRPr lang="fr-FR"/>
           </a:p>
@@ -1099,7 +1099,7 @@
           <a:p>
             <a:fld id="{5DCA61BB-0618-4380-BA59-20B884EE95D2}" type="slidenum">
               <a:rPr lang="fr-FR" smtClean="0"/>
-              <a:t>‹N°›</a:t>
+              <a:t>‹#›</a:t>
             </a:fld>
             <a:endParaRPr lang="fr-FR"/>
           </a:p>
@@ -1345,7 +1345,7 @@
           <a:p>
             <a:fld id="{07F10079-C70D-45EB-BBD6-D484B33FAF3C}" type="datetimeFigureOut">
               <a:rPr lang="fr-FR" smtClean="0"/>
-              <a:t>09/06/2015</a:t>
+              <a:t>10/06/15</a:t>
             </a:fld>
             <a:endParaRPr lang="fr-FR"/>
           </a:p>
@@ -1387,7 +1387,7 @@
           <a:p>
             <a:fld id="{5DCA61BB-0618-4380-BA59-20B884EE95D2}" type="slidenum">
               <a:rPr lang="fr-FR" smtClean="0"/>
-              <a:t>‹N°›</a:t>
+              <a:t>‹#›</a:t>
             </a:fld>
             <a:endParaRPr lang="fr-FR"/>
           </a:p>
@@ -1767,7 +1767,7 @@
           <a:p>
             <a:fld id="{07F10079-C70D-45EB-BBD6-D484B33FAF3C}" type="datetimeFigureOut">
               <a:rPr lang="fr-FR" smtClean="0"/>
-              <a:t>09/06/2015</a:t>
+              <a:t>10/06/15</a:t>
             </a:fld>
             <a:endParaRPr lang="fr-FR"/>
           </a:p>
@@ -1809,7 +1809,7 @@
           <a:p>
             <a:fld id="{5DCA61BB-0618-4380-BA59-20B884EE95D2}" type="slidenum">
               <a:rPr lang="fr-FR" smtClean="0"/>
-              <a:t>‹N°›</a:t>
+              <a:t>‹#›</a:t>
             </a:fld>
             <a:endParaRPr lang="fr-FR"/>
           </a:p>
@@ -1885,7 +1885,7 @@
           <a:p>
             <a:fld id="{07F10079-C70D-45EB-BBD6-D484B33FAF3C}" type="datetimeFigureOut">
               <a:rPr lang="fr-FR" smtClean="0"/>
-              <a:t>09/06/2015</a:t>
+              <a:t>10/06/15</a:t>
             </a:fld>
             <a:endParaRPr lang="fr-FR"/>
           </a:p>
@@ -1927,7 +1927,7 @@
           <a:p>
             <a:fld id="{5DCA61BB-0618-4380-BA59-20B884EE95D2}" type="slidenum">
               <a:rPr lang="fr-FR" smtClean="0"/>
-              <a:t>‹N°›</a:t>
+              <a:t>‹#›</a:t>
             </a:fld>
             <a:endParaRPr lang="fr-FR"/>
           </a:p>
@@ -1980,7 +1980,7 @@
           <a:p>
             <a:fld id="{07F10079-C70D-45EB-BBD6-D484B33FAF3C}" type="datetimeFigureOut">
               <a:rPr lang="fr-FR" smtClean="0"/>
-              <a:t>09/06/2015</a:t>
+              <a:t>10/06/15</a:t>
             </a:fld>
             <a:endParaRPr lang="fr-FR"/>
           </a:p>
@@ -2022,7 +2022,7 @@
           <a:p>
             <a:fld id="{5DCA61BB-0618-4380-BA59-20B884EE95D2}" type="slidenum">
               <a:rPr lang="fr-FR" smtClean="0"/>
-              <a:t>‹N°›</a:t>
+              <a:t>‹#›</a:t>
             </a:fld>
             <a:endParaRPr lang="fr-FR"/>
           </a:p>
@@ -2257,7 +2257,7 @@
           <a:p>
             <a:fld id="{07F10079-C70D-45EB-BBD6-D484B33FAF3C}" type="datetimeFigureOut">
               <a:rPr lang="fr-FR" smtClean="0"/>
-              <a:t>09/06/2015</a:t>
+              <a:t>10/06/15</a:t>
             </a:fld>
             <a:endParaRPr lang="fr-FR"/>
           </a:p>
@@ -2299,7 +2299,7 @@
           <a:p>
             <a:fld id="{5DCA61BB-0618-4380-BA59-20B884EE95D2}" type="slidenum">
               <a:rPr lang="fr-FR" smtClean="0"/>
-              <a:t>‹N°›</a:t>
+              <a:t>‹#›</a:t>
             </a:fld>
             <a:endParaRPr lang="fr-FR"/>
           </a:p>
@@ -2510,7 +2510,7 @@
           <a:p>
             <a:fld id="{07F10079-C70D-45EB-BBD6-D484B33FAF3C}" type="datetimeFigureOut">
               <a:rPr lang="fr-FR" smtClean="0"/>
-              <a:t>09/06/2015</a:t>
+              <a:t>10/06/15</a:t>
             </a:fld>
             <a:endParaRPr lang="fr-FR"/>
           </a:p>
@@ -2552,7 +2552,7 @@
           <a:p>
             <a:fld id="{5DCA61BB-0618-4380-BA59-20B884EE95D2}" type="slidenum">
               <a:rPr lang="fr-FR" smtClean="0"/>
-              <a:t>‹N°›</a:t>
+              <a:t>‹#›</a:t>
             </a:fld>
             <a:endParaRPr lang="fr-FR"/>
           </a:p>
@@ -2723,7 +2723,7 @@
           <a:p>
             <a:fld id="{07F10079-C70D-45EB-BBD6-D484B33FAF3C}" type="datetimeFigureOut">
               <a:rPr lang="fr-FR" smtClean="0"/>
-              <a:t>09/06/2015</a:t>
+              <a:t>10/06/15</a:t>
             </a:fld>
             <a:endParaRPr lang="fr-FR"/>
           </a:p>
@@ -2801,7 +2801,7 @@
           <a:p>
             <a:fld id="{5DCA61BB-0618-4380-BA59-20B884EE95D2}" type="slidenum">
               <a:rPr lang="fr-FR" smtClean="0"/>
-              <a:t>‹N°›</a:t>
+              <a:t>‹#›</a:t>
             </a:fld>
             <a:endParaRPr lang="fr-FR"/>
           </a:p>
@@ -3489,14 +3489,14 @@
           </a:ln>
           <a:effectLst/>
           <a:extLst>
-            <a:ext uri="{909E8E84-426E-40DD-AFC4-6F175D3DCCD1}">
+            <a:ext uri="{909E8E84-426E-40dd-AFC4-6F175D3DCCD1}">
               <a14:hiddenFill xmlns:a14="http://schemas.microsoft.com/office/drawing/2010/main">
                 <a:solidFill>
                   <a:schemeClr val="accent1"/>
                 </a:solidFill>
               </a14:hiddenFill>
             </a:ext>
-            <a:ext uri="{91240B29-F687-4F45-9708-019B960494DF}">
+            <a:ext uri="{91240B29-F687-4f45-9708-019B960494DF}">
               <a14:hiddenLine xmlns:a14="http://schemas.microsoft.com/office/drawing/2010/main" w="9525">
                 <a:solidFill>
                   <a:schemeClr val="tx1"/>
@@ -3506,7 +3506,7 @@
                 <a:tailEnd/>
               </a14:hiddenLine>
             </a:ext>
-            <a:ext uri="{AF507438-7753-43E0-B8FC-AC1667EBCBE1}">
+            <a:ext uri="{AF507438-7753-43e0-B8FC-AC1667EBCBE1}">
               <a14:hiddenEffects xmlns:a14="http://schemas.microsoft.com/office/drawing/2010/main">
                 <a:effectLst>
                   <a:outerShdw dist="35921" dir="2700000" algn="ctr" rotWithShape="0">
@@ -3554,7 +3554,7 @@
           </a:ln>
           <a:effectLst/>
           <a:extLst>
-            <a:ext uri="{91240B29-F687-4F45-9708-019B960494DF}">
+            <a:ext uri="{91240B29-F687-4f45-9708-019B960494DF}">
               <a14:hiddenLine xmlns:a14="http://schemas.microsoft.com/office/drawing/2010/main" w="9525">
                 <a:solidFill>
                   <a:schemeClr val="tx1"/>
@@ -3564,7 +3564,7 @@
                 <a:tailEnd/>
               </a14:hiddenLine>
             </a:ext>
-            <a:ext uri="{AF507438-7753-43E0-B8FC-AC1667EBCBE1}">
+            <a:ext uri="{AF507438-7753-43e0-B8FC-AC1667EBCBE1}">
               <a14:hiddenEffects xmlns:a14="http://schemas.microsoft.com/office/drawing/2010/main">
                 <a:effectLst>
                   <a:outerShdw dist="35921" dir="2700000" algn="ctr" rotWithShape="0">
@@ -3940,14 +3940,14 @@
           </a:ln>
           <a:effectLst/>
           <a:extLst>
-            <a:ext uri="{909E8E84-426E-40DD-AFC4-6F175D3DCCD1}">
+            <a:ext uri="{909E8E84-426E-40dd-AFC4-6F175D3DCCD1}">
               <a14:hiddenFill xmlns:a14="http://schemas.microsoft.com/office/drawing/2010/main">
                 <a:solidFill>
                   <a:schemeClr val="accent1"/>
                 </a:solidFill>
               </a14:hiddenFill>
             </a:ext>
-            <a:ext uri="{91240B29-F687-4F45-9708-019B960494DF}">
+            <a:ext uri="{91240B29-F687-4f45-9708-019B960494DF}">
               <a14:hiddenLine xmlns:a14="http://schemas.microsoft.com/office/drawing/2010/main" w="9525">
                 <a:solidFill>
                   <a:schemeClr val="tx1"/>
@@ -3957,7 +3957,7 @@
                 <a:tailEnd/>
               </a14:hiddenLine>
             </a:ext>
-            <a:ext uri="{AF507438-7753-43E0-B8FC-AC1667EBCBE1}">
+            <a:ext uri="{AF507438-7753-43e0-B8FC-AC1667EBCBE1}">
               <a14:hiddenEffects xmlns:a14="http://schemas.microsoft.com/office/drawing/2010/main">
                 <a:effectLst>
                   <a:outerShdw dist="35921" dir="2700000" algn="ctr" rotWithShape="0">
@@ -4005,7 +4005,7 @@
           </a:ln>
           <a:effectLst/>
           <a:extLst>
-            <a:ext uri="{91240B29-F687-4F45-9708-019B960494DF}">
+            <a:ext uri="{91240B29-F687-4f45-9708-019B960494DF}">
               <a14:hiddenLine xmlns:a14="http://schemas.microsoft.com/office/drawing/2010/main" w="9525">
                 <a:solidFill>
                   <a:schemeClr val="tx1"/>
@@ -4015,7 +4015,7 @@
                 <a:tailEnd/>
               </a14:hiddenLine>
             </a:ext>
-            <a:ext uri="{AF507438-7753-43E0-B8FC-AC1667EBCBE1}">
+            <a:ext uri="{AF507438-7753-43e0-B8FC-AC1667EBCBE1}">
               <a14:hiddenEffects xmlns:a14="http://schemas.microsoft.com/office/drawing/2010/main">
                 <a:effectLst>
                   <a:outerShdw dist="35921" dir="2700000" algn="ctr" rotWithShape="0">
@@ -4737,7 +4737,7 @@
         </p:nvSpPr>
         <p:spPr>
           <a:xfrm>
-            <a:off x="2653461" y="1869822"/>
+            <a:off x="3347864" y="1556792"/>
             <a:ext cx="1918539" cy="369332"/>
           </a:xfrm>
           <a:prstGeom prst="rect">
@@ -4762,6 +4762,148 @@
             <a:r>
               <a:rPr lang="fr-FR" dirty="0" err="1"/>
               <a:t>processing</a:t>
+            </a:r>
+            <a:endParaRPr lang="fr-FR" dirty="0"/>
+          </a:p>
+        </p:txBody>
+      </p:sp>
+      <p:sp>
+        <p:nvSpPr>
+          <p:cNvPr id="19" name="Rectangle 18"/>
+          <p:cNvSpPr/>
+          <p:nvPr/>
+        </p:nvSpPr>
+        <p:spPr>
+          <a:xfrm rot="20278521">
+            <a:off x="2121587" y="2324700"/>
+            <a:ext cx="2247133" cy="369332"/>
+          </a:xfrm>
+          <a:prstGeom prst="rect">
+            <a:avLst/>
+          </a:prstGeom>
+        </p:spPr>
+        <p:txBody>
+          <a:bodyPr wrap="square">
+            <a:spAutoFit/>
+          </a:bodyPr>
+          <a:lstStyle/>
+          <a:p>
+            <a:pPr algn="just"/>
+            <a:r>
+              <a:rPr lang="fr-FR" dirty="0" smtClean="0"/>
+              <a:t>Thread </a:t>
+            </a:r>
+            <a:r>
+              <a:rPr lang="fr-FR" dirty="0" smtClean="0"/>
+              <a:t>1 </a:t>
+            </a:r>
+            <a:r>
+              <a:rPr lang="fr-FR" dirty="0" err="1" smtClean="0"/>
+              <a:t>with</a:t>
+            </a:r>
+            <a:r>
+              <a:rPr lang="fr-FR" dirty="0" smtClean="0"/>
+              <a:t> </a:t>
+            </a:r>
+            <a:r>
+              <a:rPr lang="fr-FR" dirty="0" err="1" smtClean="0"/>
+              <a:t>Event-A</a:t>
+            </a:r>
+            <a:endParaRPr lang="fr-FR" dirty="0"/>
+          </a:p>
+        </p:txBody>
+      </p:sp>
+      <p:sp>
+        <p:nvSpPr>
+          <p:cNvPr id="23" name="Rectangle 22"/>
+          <p:cNvSpPr/>
+          <p:nvPr/>
+        </p:nvSpPr>
+        <p:spPr>
+          <a:xfrm>
+            <a:off x="2612899" y="3203684"/>
+            <a:ext cx="2247133" cy="369332"/>
+          </a:xfrm>
+          <a:prstGeom prst="rect">
+            <a:avLst/>
+          </a:prstGeom>
+        </p:spPr>
+        <p:txBody>
+          <a:bodyPr wrap="square">
+            <a:spAutoFit/>
+          </a:bodyPr>
+          <a:lstStyle/>
+          <a:p>
+            <a:pPr algn="just"/>
+            <a:r>
+              <a:rPr lang="fr-FR" dirty="0" smtClean="0"/>
+              <a:t>Thread </a:t>
+            </a:r>
+            <a:r>
+              <a:rPr lang="fr-FR" dirty="0"/>
+              <a:t>2</a:t>
+            </a:r>
+            <a:r>
+              <a:rPr lang="fr-FR" dirty="0" smtClean="0"/>
+              <a:t> </a:t>
+            </a:r>
+            <a:r>
+              <a:rPr lang="fr-FR" dirty="0" err="1" smtClean="0"/>
+              <a:t>with</a:t>
+            </a:r>
+            <a:r>
+              <a:rPr lang="fr-FR" dirty="0" smtClean="0"/>
+              <a:t> </a:t>
+            </a:r>
+            <a:r>
+              <a:rPr lang="fr-FR" dirty="0" err="1" smtClean="0"/>
+              <a:t>Event-A</a:t>
+            </a:r>
+            <a:endParaRPr lang="fr-FR" dirty="0"/>
+          </a:p>
+        </p:txBody>
+      </p:sp>
+      <p:sp>
+        <p:nvSpPr>
+          <p:cNvPr id="24" name="Rectangle 23"/>
+          <p:cNvSpPr/>
+          <p:nvPr/>
+        </p:nvSpPr>
+        <p:spPr>
+          <a:xfrm rot="967742">
+            <a:off x="2496467" y="3805868"/>
+            <a:ext cx="2247133" cy="369332"/>
+          </a:xfrm>
+          <a:prstGeom prst="rect">
+            <a:avLst/>
+          </a:prstGeom>
+        </p:spPr>
+        <p:txBody>
+          <a:bodyPr wrap="square">
+            <a:spAutoFit/>
+          </a:bodyPr>
+          <a:lstStyle/>
+          <a:p>
+            <a:pPr algn="just"/>
+            <a:r>
+              <a:rPr lang="fr-FR" dirty="0" smtClean="0"/>
+              <a:t>Thread </a:t>
+            </a:r>
+            <a:r>
+              <a:rPr lang="fr-FR" dirty="0" smtClean="0"/>
+              <a:t>3 </a:t>
+            </a:r>
+            <a:r>
+              <a:rPr lang="fr-FR" dirty="0" err="1" smtClean="0"/>
+              <a:t>with</a:t>
+            </a:r>
+            <a:r>
+              <a:rPr lang="fr-FR" dirty="0" smtClean="0"/>
+              <a:t> </a:t>
+            </a:r>
+            <a:r>
+              <a:rPr lang="fr-FR" dirty="0" err="1" smtClean="0"/>
+              <a:t>Event-A</a:t>
             </a:r>
             <a:endParaRPr lang="fr-FR" dirty="0"/>
           </a:p>
@@ -4819,14 +4961,14 @@
           </a:ln>
           <a:effectLst/>
           <a:extLst>
-            <a:ext uri="{909E8E84-426E-40DD-AFC4-6F175D3DCCD1}">
+            <a:ext uri="{909E8E84-426E-40dd-AFC4-6F175D3DCCD1}">
               <a14:hiddenFill xmlns:a14="http://schemas.microsoft.com/office/drawing/2010/main">
                 <a:solidFill>
                   <a:schemeClr val="accent1"/>
                 </a:solidFill>
               </a14:hiddenFill>
             </a:ext>
-            <a:ext uri="{91240B29-F687-4F45-9708-019B960494DF}">
+            <a:ext uri="{91240B29-F687-4f45-9708-019B960494DF}">
               <a14:hiddenLine xmlns:a14="http://schemas.microsoft.com/office/drawing/2010/main" w="9525">
                 <a:solidFill>
                   <a:schemeClr val="tx1"/>
@@ -4836,7 +4978,7 @@
                 <a:tailEnd/>
               </a14:hiddenLine>
             </a:ext>
-            <a:ext uri="{AF507438-7753-43E0-B8FC-AC1667EBCBE1}">
+            <a:ext uri="{AF507438-7753-43e0-B8FC-AC1667EBCBE1}">
               <a14:hiddenEffects xmlns:a14="http://schemas.microsoft.com/office/drawing/2010/main">
                 <a:effectLst>
                   <a:outerShdw dist="35921" dir="2700000" algn="ctr" rotWithShape="0">
@@ -4966,7 +5108,7 @@
         </p:nvSpPr>
         <p:spPr>
           <a:xfrm>
-            <a:off x="5976156" y="2780928"/>
+            <a:off x="7020272" y="2780928"/>
             <a:ext cx="1347470" cy="866140"/>
           </a:xfrm>
           <a:prstGeom prst="rect">
@@ -5034,7 +5176,7 @@
         </p:nvSpPr>
         <p:spPr>
           <a:xfrm>
-            <a:off x="5976156" y="3933056"/>
+            <a:off x="7020272" y="3933056"/>
             <a:ext cx="1347470" cy="866140"/>
           </a:xfrm>
           <a:prstGeom prst="rect">
@@ -5087,10 +5229,6 @@
               </a:rPr>
               <a:t>Truck</a:t>
             </a:r>
-            <a:endParaRPr lang="fr-FR" sz="1100" dirty="0">
-              <a:ea typeface="Calibri"/>
-              <a:cs typeface="Times New Roman"/>
-            </a:endParaRPr>
           </a:p>
         </p:txBody>
       </p:sp>
@@ -5216,7 +5354,7 @@
           </a:ln>
           <a:effectLst/>
           <a:extLst>
-            <a:ext uri="{91240B29-F687-4F45-9708-019B960494DF}">
+            <a:ext uri="{91240B29-F687-4f45-9708-019B960494DF}">
               <a14:hiddenLine xmlns:a14="http://schemas.microsoft.com/office/drawing/2010/main" w="9525">
                 <a:solidFill>
                   <a:schemeClr val="tx1"/>
@@ -5226,7 +5364,7 @@
                 <a:tailEnd/>
               </a14:hiddenLine>
             </a:ext>
-            <a:ext uri="{AF507438-7753-43E0-B8FC-AC1667EBCBE1}">
+            <a:ext uri="{AF507438-7753-43e0-B8FC-AC1667EBCBE1}">
               <a14:hiddenEffects xmlns:a14="http://schemas.microsoft.com/office/drawing/2010/main">
                 <a:effectLst>
                   <a:outerShdw dist="35921" dir="2700000" algn="ctr" rotWithShape="0">
@@ -5364,7 +5502,7 @@
         </p:nvSpPr>
         <p:spPr>
           <a:xfrm>
-            <a:off x="5976156" y="1484784"/>
+            <a:off x="7020272" y="1484784"/>
             <a:ext cx="1347470" cy="866140"/>
           </a:xfrm>
           <a:prstGeom prst="rect">
@@ -5417,40 +5555,6 @@
               </a:rPr>
               <a:t>Train</a:t>
             </a:r>
-            <a:endParaRPr lang="fr-FR" sz="1100" dirty="0">
-              <a:ea typeface="Calibri"/>
-              <a:cs typeface="Times New Roman"/>
-            </a:endParaRPr>
-          </a:p>
-        </p:txBody>
-      </p:sp>
-      <p:sp>
-        <p:nvSpPr>
-          <p:cNvPr id="34" name="Rectangle 33"/>
-          <p:cNvSpPr/>
-          <p:nvPr/>
-        </p:nvSpPr>
-        <p:spPr>
-          <a:xfrm rot="18934450">
-            <a:off x="4543112" y="2370678"/>
-            <a:ext cx="1013611" cy="369332"/>
-          </a:xfrm>
-          <a:prstGeom prst="rect">
-            <a:avLst/>
-          </a:prstGeom>
-        </p:spPr>
-        <p:txBody>
-          <a:bodyPr wrap="none">
-            <a:spAutoFit/>
-          </a:bodyPr>
-          <a:lstStyle/>
-          <a:p>
-            <a:pPr algn="just"/>
-            <a:r>
-              <a:rPr lang="fr-FR" dirty="0" smtClean="0"/>
-              <a:t>Thread 1</a:t>
-            </a:r>
-            <a:endParaRPr lang="fr-FR" dirty="0"/>
           </a:p>
         </p:txBody>
       </p:sp>
@@ -5466,7 +5570,7 @@
         <p:spPr>
           <a:xfrm flipV="1">
             <a:off x="4335294" y="1917854"/>
-            <a:ext cx="1640862" cy="1479390"/>
+            <a:ext cx="2684978" cy="1479390"/>
           </a:xfrm>
           <a:prstGeom prst="straightConnector1">
             <a:avLst/>
@@ -5509,7 +5613,7 @@
         <p:spPr>
           <a:xfrm flipV="1">
             <a:off x="4335294" y="3213998"/>
-            <a:ext cx="1640862" cy="183246"/>
+            <a:ext cx="2684978" cy="183246"/>
           </a:xfrm>
           <a:prstGeom prst="straightConnector1">
             <a:avLst/>
@@ -5552,7 +5656,7 @@
         <p:spPr>
           <a:xfrm>
             <a:off x="4335294" y="3397244"/>
-            <a:ext cx="1640862" cy="968882"/>
+            <a:ext cx="2684978" cy="968882"/>
           </a:xfrm>
           <a:prstGeom prst="straightConnector1">
             <a:avLst/>
@@ -5585,21 +5689,21 @@
       </p:cxnSp>
       <p:sp>
         <p:nvSpPr>
-          <p:cNvPr id="42" name="Rectangle 41"/>
+          <p:cNvPr id="16" name="Rectangle 15"/>
           <p:cNvSpPr/>
           <p:nvPr/>
         </p:nvSpPr>
         <p:spPr>
-          <a:xfrm rot="20850949">
-            <a:off x="4695512" y="2982935"/>
-            <a:ext cx="1013611" cy="369332"/>
+          <a:xfrm rot="19881909">
+            <a:off x="4430304" y="2293646"/>
+            <a:ext cx="2267891" cy="369332"/>
           </a:xfrm>
           <a:prstGeom prst="rect">
             <a:avLst/>
           </a:prstGeom>
         </p:spPr>
         <p:txBody>
-          <a:bodyPr wrap="none">
+          <a:bodyPr wrap="square">
             <a:spAutoFit/>
           </a:bodyPr>
           <a:lstStyle/>
@@ -5607,7 +5711,23 @@
             <a:pPr algn="just"/>
             <a:r>
               <a:rPr lang="fr-FR" dirty="0" smtClean="0"/>
-              <a:t>Thread 2</a:t>
+              <a:t>Thread </a:t>
+            </a:r>
+            <a:r>
+              <a:rPr lang="fr-FR" dirty="0" smtClean="0"/>
+              <a:t>1 </a:t>
+            </a:r>
+            <a:r>
+              <a:rPr lang="fr-FR" dirty="0" err="1" smtClean="0"/>
+              <a:t>with</a:t>
+            </a:r>
+            <a:r>
+              <a:rPr lang="fr-FR" dirty="0" smtClean="0"/>
+              <a:t> </a:t>
+            </a:r>
+            <a:r>
+              <a:rPr lang="fr-FR" dirty="0" err="1" smtClean="0"/>
+              <a:t>Event-A</a:t>
             </a:r>
             <a:endParaRPr lang="fr-FR" dirty="0"/>
           </a:p>
@@ -5615,21 +5735,21 @@
       </p:sp>
       <p:sp>
         <p:nvSpPr>
-          <p:cNvPr id="43" name="Rectangle 42"/>
+          <p:cNvPr id="17" name="Rectangle 16"/>
           <p:cNvSpPr/>
           <p:nvPr/>
         </p:nvSpPr>
         <p:spPr>
-          <a:xfrm rot="2166596">
-            <a:off x="4771058" y="3590597"/>
-            <a:ext cx="1013611" cy="369332"/>
+          <a:xfrm>
+            <a:off x="4593814" y="3013726"/>
+            <a:ext cx="2267891" cy="369332"/>
           </a:xfrm>
           <a:prstGeom prst="rect">
             <a:avLst/>
           </a:prstGeom>
         </p:spPr>
         <p:txBody>
-          <a:bodyPr wrap="none">
+          <a:bodyPr wrap="square">
             <a:spAutoFit/>
           </a:bodyPr>
           <a:lstStyle/>
@@ -5637,7 +5757,69 @@
             <a:pPr algn="just"/>
             <a:r>
               <a:rPr lang="fr-FR" dirty="0" smtClean="0"/>
-              <a:t>Thread 2</a:t>
+              <a:t>Thread </a:t>
+            </a:r>
+            <a:r>
+              <a:rPr lang="fr-FR" dirty="0"/>
+              <a:t>2</a:t>
+            </a:r>
+            <a:r>
+              <a:rPr lang="fr-FR" dirty="0" smtClean="0"/>
+              <a:t> </a:t>
+            </a:r>
+            <a:r>
+              <a:rPr lang="fr-FR" dirty="0" err="1" smtClean="0"/>
+              <a:t>with</a:t>
+            </a:r>
+            <a:r>
+              <a:rPr lang="fr-FR" dirty="0" smtClean="0"/>
+              <a:t> Event-B</a:t>
+            </a:r>
+            <a:endParaRPr lang="fr-FR" dirty="0"/>
+          </a:p>
+        </p:txBody>
+      </p:sp>
+      <p:sp>
+        <p:nvSpPr>
+          <p:cNvPr id="18" name="Rectangle 17"/>
+          <p:cNvSpPr/>
+          <p:nvPr/>
+        </p:nvSpPr>
+        <p:spPr>
+          <a:xfrm rot="1239220">
+            <a:off x="4564256" y="3889103"/>
+            <a:ext cx="2267891" cy="369332"/>
+          </a:xfrm>
+          <a:prstGeom prst="rect">
+            <a:avLst/>
+          </a:prstGeom>
+        </p:spPr>
+        <p:txBody>
+          <a:bodyPr wrap="square">
+            <a:spAutoFit/>
+          </a:bodyPr>
+          <a:lstStyle/>
+          <a:p>
+            <a:pPr algn="just"/>
+            <a:r>
+              <a:rPr lang="fr-FR" dirty="0" smtClean="0"/>
+              <a:t>Thread </a:t>
+            </a:r>
+            <a:r>
+              <a:rPr lang="fr-FR" dirty="0"/>
+              <a:t>3</a:t>
+            </a:r>
+            <a:r>
+              <a:rPr lang="fr-FR" dirty="0" smtClean="0"/>
+              <a:t> </a:t>
+            </a:r>
+            <a:r>
+              <a:rPr lang="fr-FR" dirty="0" err="1" smtClean="0"/>
+              <a:t>with</a:t>
+            </a:r>
+            <a:r>
+              <a:rPr lang="fr-FR" dirty="0" smtClean="0"/>
+              <a:t> Event-C</a:t>
             </a:r>
             <a:endParaRPr lang="fr-FR" dirty="0"/>
           </a:p>

--- a/Présentation1.pptx
+++ b/Présentation1.pptx
@@ -291,7 +291,7 @@
           <a:p>
             <a:fld id="{07F10079-C70D-45EB-BBD6-D484B33FAF3C}" type="datetimeFigureOut">
               <a:rPr lang="fr-FR" smtClean="0"/>
-              <a:t>10/06/15</a:t>
+              <a:t>10/06/2015</a:t>
             </a:fld>
             <a:endParaRPr lang="fr-FR"/>
           </a:p>
@@ -333,7 +333,7 @@
           <a:p>
             <a:fld id="{5DCA61BB-0618-4380-BA59-20B884EE95D2}" type="slidenum">
               <a:rPr lang="fr-FR" smtClean="0"/>
-              <a:t>‹#›</a:t>
+              <a:t>‹N°›</a:t>
             </a:fld>
             <a:endParaRPr lang="fr-FR"/>
           </a:p>
@@ -461,7 +461,7 @@
           <a:p>
             <a:fld id="{07F10079-C70D-45EB-BBD6-D484B33FAF3C}" type="datetimeFigureOut">
               <a:rPr lang="fr-FR" smtClean="0"/>
-              <a:t>10/06/15</a:t>
+              <a:t>10/06/2015</a:t>
             </a:fld>
             <a:endParaRPr lang="fr-FR"/>
           </a:p>
@@ -503,7 +503,7 @@
           <a:p>
             <a:fld id="{5DCA61BB-0618-4380-BA59-20B884EE95D2}" type="slidenum">
               <a:rPr lang="fr-FR" smtClean="0"/>
-              <a:t>‹#›</a:t>
+              <a:t>‹N°›</a:t>
             </a:fld>
             <a:endParaRPr lang="fr-FR"/>
           </a:p>
@@ -641,7 +641,7 @@
           <a:p>
             <a:fld id="{07F10079-C70D-45EB-BBD6-D484B33FAF3C}" type="datetimeFigureOut">
               <a:rPr lang="fr-FR" smtClean="0"/>
-              <a:t>10/06/15</a:t>
+              <a:t>10/06/2015</a:t>
             </a:fld>
             <a:endParaRPr lang="fr-FR"/>
           </a:p>
@@ -683,7 +683,7 @@
           <a:p>
             <a:fld id="{5DCA61BB-0618-4380-BA59-20B884EE95D2}" type="slidenum">
               <a:rPr lang="fr-FR" smtClean="0"/>
-              <a:t>‹#›</a:t>
+              <a:t>‹N°›</a:t>
             </a:fld>
             <a:endParaRPr lang="fr-FR"/>
           </a:p>
@@ -811,7 +811,7 @@
           <a:p>
             <a:fld id="{07F10079-C70D-45EB-BBD6-D484B33FAF3C}" type="datetimeFigureOut">
               <a:rPr lang="fr-FR" smtClean="0"/>
-              <a:t>10/06/15</a:t>
+              <a:t>10/06/2015</a:t>
             </a:fld>
             <a:endParaRPr lang="fr-FR"/>
           </a:p>
@@ -853,7 +853,7 @@
           <a:p>
             <a:fld id="{5DCA61BB-0618-4380-BA59-20B884EE95D2}" type="slidenum">
               <a:rPr lang="fr-FR" smtClean="0"/>
-              <a:t>‹#›</a:t>
+              <a:t>‹N°›</a:t>
             </a:fld>
             <a:endParaRPr lang="fr-FR"/>
           </a:p>
@@ -1057,7 +1057,7 @@
           <a:p>
             <a:fld id="{07F10079-C70D-45EB-BBD6-D484B33FAF3C}" type="datetimeFigureOut">
               <a:rPr lang="fr-FR" smtClean="0"/>
-              <a:t>10/06/15</a:t>
+              <a:t>10/06/2015</a:t>
             </a:fld>
             <a:endParaRPr lang="fr-FR"/>
           </a:p>
@@ -1099,7 +1099,7 @@
           <a:p>
             <a:fld id="{5DCA61BB-0618-4380-BA59-20B884EE95D2}" type="slidenum">
               <a:rPr lang="fr-FR" smtClean="0"/>
-              <a:t>‹#›</a:t>
+              <a:t>‹N°›</a:t>
             </a:fld>
             <a:endParaRPr lang="fr-FR"/>
           </a:p>
@@ -1345,7 +1345,7 @@
           <a:p>
             <a:fld id="{07F10079-C70D-45EB-BBD6-D484B33FAF3C}" type="datetimeFigureOut">
               <a:rPr lang="fr-FR" smtClean="0"/>
-              <a:t>10/06/15</a:t>
+              <a:t>10/06/2015</a:t>
             </a:fld>
             <a:endParaRPr lang="fr-FR"/>
           </a:p>
@@ -1387,7 +1387,7 @@
           <a:p>
             <a:fld id="{5DCA61BB-0618-4380-BA59-20B884EE95D2}" type="slidenum">
               <a:rPr lang="fr-FR" smtClean="0"/>
-              <a:t>‹#›</a:t>
+              <a:t>‹N°›</a:t>
             </a:fld>
             <a:endParaRPr lang="fr-FR"/>
           </a:p>
@@ -1767,7 +1767,7 @@
           <a:p>
             <a:fld id="{07F10079-C70D-45EB-BBD6-D484B33FAF3C}" type="datetimeFigureOut">
               <a:rPr lang="fr-FR" smtClean="0"/>
-              <a:t>10/06/15</a:t>
+              <a:t>10/06/2015</a:t>
             </a:fld>
             <a:endParaRPr lang="fr-FR"/>
           </a:p>
@@ -1809,7 +1809,7 @@
           <a:p>
             <a:fld id="{5DCA61BB-0618-4380-BA59-20B884EE95D2}" type="slidenum">
               <a:rPr lang="fr-FR" smtClean="0"/>
-              <a:t>‹#›</a:t>
+              <a:t>‹N°›</a:t>
             </a:fld>
             <a:endParaRPr lang="fr-FR"/>
           </a:p>
@@ -1885,7 +1885,7 @@
           <a:p>
             <a:fld id="{07F10079-C70D-45EB-BBD6-D484B33FAF3C}" type="datetimeFigureOut">
               <a:rPr lang="fr-FR" smtClean="0"/>
-              <a:t>10/06/15</a:t>
+              <a:t>10/06/2015</a:t>
             </a:fld>
             <a:endParaRPr lang="fr-FR"/>
           </a:p>
@@ -1927,7 +1927,7 @@
           <a:p>
             <a:fld id="{5DCA61BB-0618-4380-BA59-20B884EE95D2}" type="slidenum">
               <a:rPr lang="fr-FR" smtClean="0"/>
-              <a:t>‹#›</a:t>
+              <a:t>‹N°›</a:t>
             </a:fld>
             <a:endParaRPr lang="fr-FR"/>
           </a:p>
@@ -1980,7 +1980,7 @@
           <a:p>
             <a:fld id="{07F10079-C70D-45EB-BBD6-D484B33FAF3C}" type="datetimeFigureOut">
               <a:rPr lang="fr-FR" smtClean="0"/>
-              <a:t>10/06/15</a:t>
+              <a:t>10/06/2015</a:t>
             </a:fld>
             <a:endParaRPr lang="fr-FR"/>
           </a:p>
@@ -2022,7 +2022,7 @@
           <a:p>
             <a:fld id="{5DCA61BB-0618-4380-BA59-20B884EE95D2}" type="slidenum">
               <a:rPr lang="fr-FR" smtClean="0"/>
-              <a:t>‹#›</a:t>
+              <a:t>‹N°›</a:t>
             </a:fld>
             <a:endParaRPr lang="fr-FR"/>
           </a:p>
@@ -2257,7 +2257,7 @@
           <a:p>
             <a:fld id="{07F10079-C70D-45EB-BBD6-D484B33FAF3C}" type="datetimeFigureOut">
               <a:rPr lang="fr-FR" smtClean="0"/>
-              <a:t>10/06/15</a:t>
+              <a:t>10/06/2015</a:t>
             </a:fld>
             <a:endParaRPr lang="fr-FR"/>
           </a:p>
@@ -2299,7 +2299,7 @@
           <a:p>
             <a:fld id="{5DCA61BB-0618-4380-BA59-20B884EE95D2}" type="slidenum">
               <a:rPr lang="fr-FR" smtClean="0"/>
-              <a:t>‹#›</a:t>
+              <a:t>‹N°›</a:t>
             </a:fld>
             <a:endParaRPr lang="fr-FR"/>
           </a:p>
@@ -2510,7 +2510,7 @@
           <a:p>
             <a:fld id="{07F10079-C70D-45EB-BBD6-D484B33FAF3C}" type="datetimeFigureOut">
               <a:rPr lang="fr-FR" smtClean="0"/>
-              <a:t>10/06/15</a:t>
+              <a:t>10/06/2015</a:t>
             </a:fld>
             <a:endParaRPr lang="fr-FR"/>
           </a:p>
@@ -2552,7 +2552,7 @@
           <a:p>
             <a:fld id="{5DCA61BB-0618-4380-BA59-20B884EE95D2}" type="slidenum">
               <a:rPr lang="fr-FR" smtClean="0"/>
-              <a:t>‹#›</a:t>
+              <a:t>‹N°›</a:t>
             </a:fld>
             <a:endParaRPr lang="fr-FR"/>
           </a:p>
@@ -2723,7 +2723,7 @@
           <a:p>
             <a:fld id="{07F10079-C70D-45EB-BBD6-D484B33FAF3C}" type="datetimeFigureOut">
               <a:rPr lang="fr-FR" smtClean="0"/>
-              <a:t>10/06/15</a:t>
+              <a:t>10/06/2015</a:t>
             </a:fld>
             <a:endParaRPr lang="fr-FR"/>
           </a:p>
@@ -2801,7 +2801,7 @@
           <a:p>
             <a:fld id="{5DCA61BB-0618-4380-BA59-20B884EE95D2}" type="slidenum">
               <a:rPr lang="fr-FR" smtClean="0"/>
-              <a:t>‹#›</a:t>
+              <a:t>‹N°›</a:t>
             </a:fld>
             <a:endParaRPr lang="fr-FR"/>
           </a:p>
@@ -3489,14 +3489,14 @@
           </a:ln>
           <a:effectLst/>
           <a:extLst>
-            <a:ext uri="{909E8E84-426E-40dd-AFC4-6F175D3DCCD1}">
+            <a:ext uri="{909E8E84-426E-40DD-AFC4-6F175D3DCCD1}">
               <a14:hiddenFill xmlns:a14="http://schemas.microsoft.com/office/drawing/2010/main">
                 <a:solidFill>
                   <a:schemeClr val="accent1"/>
                 </a:solidFill>
               </a14:hiddenFill>
             </a:ext>
-            <a:ext uri="{91240B29-F687-4f45-9708-019B960494DF}">
+            <a:ext uri="{91240B29-F687-4F45-9708-019B960494DF}">
               <a14:hiddenLine xmlns:a14="http://schemas.microsoft.com/office/drawing/2010/main" w="9525">
                 <a:solidFill>
                   <a:schemeClr val="tx1"/>
@@ -3506,7 +3506,7 @@
                 <a:tailEnd/>
               </a14:hiddenLine>
             </a:ext>
-            <a:ext uri="{AF507438-7753-43e0-B8FC-AC1667EBCBE1}">
+            <a:ext uri="{AF507438-7753-43E0-B8FC-AC1667EBCBE1}">
               <a14:hiddenEffects xmlns:a14="http://schemas.microsoft.com/office/drawing/2010/main">
                 <a:effectLst>
                   <a:outerShdw dist="35921" dir="2700000" algn="ctr" rotWithShape="0">
@@ -3554,7 +3554,7 @@
           </a:ln>
           <a:effectLst/>
           <a:extLst>
-            <a:ext uri="{91240B29-F687-4f45-9708-019B960494DF}">
+            <a:ext uri="{91240B29-F687-4F45-9708-019B960494DF}">
               <a14:hiddenLine xmlns:a14="http://schemas.microsoft.com/office/drawing/2010/main" w="9525">
                 <a:solidFill>
                   <a:schemeClr val="tx1"/>
@@ -3564,7 +3564,7 @@
                 <a:tailEnd/>
               </a14:hiddenLine>
             </a:ext>
-            <a:ext uri="{AF507438-7753-43e0-B8FC-AC1667EBCBE1}">
+            <a:ext uri="{AF507438-7753-43E0-B8FC-AC1667EBCBE1}">
               <a14:hiddenEffects xmlns:a14="http://schemas.microsoft.com/office/drawing/2010/main">
                 <a:effectLst>
                   <a:outerShdw dist="35921" dir="2700000" algn="ctr" rotWithShape="0">
@@ -3940,14 +3940,14 @@
           </a:ln>
           <a:effectLst/>
           <a:extLst>
-            <a:ext uri="{909E8E84-426E-40dd-AFC4-6F175D3DCCD1}">
+            <a:ext uri="{909E8E84-426E-40DD-AFC4-6F175D3DCCD1}">
               <a14:hiddenFill xmlns:a14="http://schemas.microsoft.com/office/drawing/2010/main">
                 <a:solidFill>
                   <a:schemeClr val="accent1"/>
                 </a:solidFill>
               </a14:hiddenFill>
             </a:ext>
-            <a:ext uri="{91240B29-F687-4f45-9708-019B960494DF}">
+            <a:ext uri="{91240B29-F687-4F45-9708-019B960494DF}">
               <a14:hiddenLine xmlns:a14="http://schemas.microsoft.com/office/drawing/2010/main" w="9525">
                 <a:solidFill>
                   <a:schemeClr val="tx1"/>
@@ -3957,7 +3957,7 @@
                 <a:tailEnd/>
               </a14:hiddenLine>
             </a:ext>
-            <a:ext uri="{AF507438-7753-43e0-B8FC-AC1667EBCBE1}">
+            <a:ext uri="{AF507438-7753-43E0-B8FC-AC1667EBCBE1}">
               <a14:hiddenEffects xmlns:a14="http://schemas.microsoft.com/office/drawing/2010/main">
                 <a:effectLst>
                   <a:outerShdw dist="35921" dir="2700000" algn="ctr" rotWithShape="0">
@@ -4005,7 +4005,7 @@
           </a:ln>
           <a:effectLst/>
           <a:extLst>
-            <a:ext uri="{91240B29-F687-4f45-9708-019B960494DF}">
+            <a:ext uri="{91240B29-F687-4F45-9708-019B960494DF}">
               <a14:hiddenLine xmlns:a14="http://schemas.microsoft.com/office/drawing/2010/main" w="9525">
                 <a:solidFill>
                   <a:schemeClr val="tx1"/>
@@ -4015,7 +4015,7 @@
                 <a:tailEnd/>
               </a14:hiddenLine>
             </a:ext>
-            <a:ext uri="{AF507438-7753-43e0-B8FC-AC1667EBCBE1}">
+            <a:ext uri="{AF507438-7753-43E0-B8FC-AC1667EBCBE1}">
               <a14:hiddenEffects xmlns:a14="http://schemas.microsoft.com/office/drawing/2010/main">
                 <a:effectLst>
                   <a:outerShdw dist="35921" dir="2700000" algn="ctr" rotWithShape="0">
@@ -4791,11 +4791,7 @@
             <a:pPr algn="just"/>
             <a:r>
               <a:rPr lang="fr-FR" dirty="0" smtClean="0"/>
-              <a:t>Thread </a:t>
-            </a:r>
-            <a:r>
-              <a:rPr lang="fr-FR" dirty="0" smtClean="0"/>
-              <a:t>1 </a:t>
+              <a:t>Thread 1 </a:t>
             </a:r>
             <a:r>
               <a:rPr lang="fr-FR" dirty="0" err="1" smtClean="0"/>
@@ -4887,11 +4883,7 @@
             <a:pPr algn="just"/>
             <a:r>
               <a:rPr lang="fr-FR" dirty="0" smtClean="0"/>
-              <a:t>Thread </a:t>
-            </a:r>
-            <a:r>
-              <a:rPr lang="fr-FR" dirty="0" smtClean="0"/>
-              <a:t>3 </a:t>
+              <a:t>Thread 3 </a:t>
             </a:r>
             <a:r>
               <a:rPr lang="fr-FR" dirty="0" err="1" smtClean="0"/>
@@ -4961,14 +4953,14 @@
           </a:ln>
           <a:effectLst/>
           <a:extLst>
-            <a:ext uri="{909E8E84-426E-40dd-AFC4-6F175D3DCCD1}">
+            <a:ext uri="{909E8E84-426E-40DD-AFC4-6F175D3DCCD1}">
               <a14:hiddenFill xmlns:a14="http://schemas.microsoft.com/office/drawing/2010/main">
                 <a:solidFill>
                   <a:schemeClr val="accent1"/>
                 </a:solidFill>
               </a14:hiddenFill>
             </a:ext>
-            <a:ext uri="{91240B29-F687-4f45-9708-019B960494DF}">
+            <a:ext uri="{91240B29-F687-4F45-9708-019B960494DF}">
               <a14:hiddenLine xmlns:a14="http://schemas.microsoft.com/office/drawing/2010/main" w="9525">
                 <a:solidFill>
                   <a:schemeClr val="tx1"/>
@@ -4978,7 +4970,7 @@
                 <a:tailEnd/>
               </a14:hiddenLine>
             </a:ext>
-            <a:ext uri="{AF507438-7753-43e0-B8FC-AC1667EBCBE1}">
+            <a:ext uri="{AF507438-7753-43E0-B8FC-AC1667EBCBE1}">
               <a14:hiddenEffects xmlns:a14="http://schemas.microsoft.com/office/drawing/2010/main">
                 <a:effectLst>
                   <a:outerShdw dist="35921" dir="2700000" algn="ctr" rotWithShape="0">
@@ -5354,7 +5346,7 @@
           </a:ln>
           <a:effectLst/>
           <a:extLst>
-            <a:ext uri="{91240B29-F687-4f45-9708-019B960494DF}">
+            <a:ext uri="{91240B29-F687-4F45-9708-019B960494DF}">
               <a14:hiddenLine xmlns:a14="http://schemas.microsoft.com/office/drawing/2010/main" w="9525">
                 <a:solidFill>
                   <a:schemeClr val="tx1"/>
@@ -5364,7 +5356,7 @@
                 <a:tailEnd/>
               </a14:hiddenLine>
             </a:ext>
-            <a:ext uri="{AF507438-7753-43e0-B8FC-AC1667EBCBE1}">
+            <a:ext uri="{AF507438-7753-43E0-B8FC-AC1667EBCBE1}">
               <a14:hiddenEffects xmlns:a14="http://schemas.microsoft.com/office/drawing/2010/main">
                 <a:effectLst>
                   <a:outerShdw dist="35921" dir="2700000" algn="ctr" rotWithShape="0">
@@ -5711,11 +5703,7 @@
             <a:pPr algn="just"/>
             <a:r>
               <a:rPr lang="fr-FR" dirty="0" smtClean="0"/>
-              <a:t>Thread </a:t>
-            </a:r>
-            <a:r>
-              <a:rPr lang="fr-FR" dirty="0" smtClean="0"/>
-              <a:t>1 </a:t>
+              <a:t>Thread 1 </a:t>
             </a:r>
             <a:r>
               <a:rPr lang="fr-FR" dirty="0" err="1" smtClean="0"/>
